--- a/HMI/UI.pptx
+++ b/HMI/UI.pptx
@@ -5,17 +5,18 @@
     <p:sldMasterId id="2147483660" r:id="rId1"/>
   </p:sldMasterIdLst>
   <p:notesMasterIdLst>
-    <p:notesMasterId r:id="rId10"/>
+    <p:notesMasterId r:id="rId11"/>
   </p:notesMasterIdLst>
   <p:sldIdLst>
-    <p:sldId id="270" r:id="rId2"/>
-    <p:sldId id="271" r:id="rId3"/>
-    <p:sldId id="272" r:id="rId4"/>
-    <p:sldId id="274" r:id="rId5"/>
-    <p:sldId id="273" r:id="rId6"/>
-    <p:sldId id="276" r:id="rId7"/>
-    <p:sldId id="264" r:id="rId8"/>
-    <p:sldId id="267" r:id="rId9"/>
+    <p:sldId id="276" r:id="rId2"/>
+    <p:sldId id="270" r:id="rId3"/>
+    <p:sldId id="271" r:id="rId4"/>
+    <p:sldId id="272" r:id="rId5"/>
+    <p:sldId id="274" r:id="rId6"/>
+    <p:sldId id="273" r:id="rId7"/>
+    <p:sldId id="275" r:id="rId8"/>
+    <p:sldId id="264" r:id="rId9"/>
+    <p:sldId id="267" r:id="rId10"/>
   </p:sldIdLst>
   <p:sldSz cx="8640763" cy="5759450"/>
   <p:notesSz cx="6858000" cy="9144000"/>
@@ -204,7 +205,7 @@
           <a:p>
             <a:fld id="{D98F2826-846A-43C3-8B81-41F412D2E55E}" type="datetimeFigureOut">
               <a:rPr lang="zh-CN" altLang="en-US" smtClean="0"/>
-              <a:t>2016/3/14</a:t>
+              <a:t>2016/3/20</a:t>
             </a:fld>
             <a:endParaRPr lang="zh-CN" altLang="en-US"/>
           </a:p>
@@ -539,7 +540,7 @@
           <a:p>
             <a:fld id="{AB55B620-FD3A-4D3A-BBE1-42E594FDD6E1}" type="slidenum">
               <a:rPr lang="zh-CN" altLang="en-US" smtClean="0"/>
-              <a:t>7</a:t>
+              <a:t>8</a:t>
             </a:fld>
             <a:endParaRPr lang="zh-CN" altLang="en-US"/>
           </a:p>
@@ -626,7 +627,7 @@
           <a:p>
             <a:fld id="{AB55B620-FD3A-4D3A-BBE1-42E594FDD6E1}" type="slidenum">
               <a:rPr lang="zh-CN" altLang="en-US" smtClean="0"/>
-              <a:t>8</a:t>
+              <a:t>9</a:t>
             </a:fld>
             <a:endParaRPr lang="zh-CN" altLang="en-US"/>
           </a:p>
@@ -776,7 +777,7 @@
           <a:p>
             <a:fld id="{8B4A0A4B-21F2-4AE1-9B1A-E6A6A0DCD50E}" type="datetimeFigureOut">
               <a:rPr lang="zh-CN" altLang="en-US" smtClean="0"/>
-              <a:t>2016/3/14</a:t>
+              <a:t>2016/3/20</a:t>
             </a:fld>
             <a:endParaRPr lang="zh-CN" altLang="en-US"/>
           </a:p>
@@ -946,7 +947,7 @@
           <a:p>
             <a:fld id="{8B4A0A4B-21F2-4AE1-9B1A-E6A6A0DCD50E}" type="datetimeFigureOut">
               <a:rPr lang="zh-CN" altLang="en-US" smtClean="0"/>
-              <a:t>2016/3/14</a:t>
+              <a:t>2016/3/20</a:t>
             </a:fld>
             <a:endParaRPr lang="zh-CN" altLang="en-US"/>
           </a:p>
@@ -1126,7 +1127,7 @@
           <a:p>
             <a:fld id="{8B4A0A4B-21F2-4AE1-9B1A-E6A6A0DCD50E}" type="datetimeFigureOut">
               <a:rPr lang="zh-CN" altLang="en-US" smtClean="0"/>
-              <a:t>2016/3/14</a:t>
+              <a:t>2016/3/20</a:t>
             </a:fld>
             <a:endParaRPr lang="zh-CN" altLang="en-US"/>
           </a:p>
@@ -1296,7 +1297,7 @@
           <a:p>
             <a:fld id="{8B4A0A4B-21F2-4AE1-9B1A-E6A6A0DCD50E}" type="datetimeFigureOut">
               <a:rPr lang="zh-CN" altLang="en-US" smtClean="0"/>
-              <a:t>2016/3/14</a:t>
+              <a:t>2016/3/20</a:t>
             </a:fld>
             <a:endParaRPr lang="zh-CN" altLang="en-US"/>
           </a:p>
@@ -1540,7 +1541,7 @@
           <a:p>
             <a:fld id="{8B4A0A4B-21F2-4AE1-9B1A-E6A6A0DCD50E}" type="datetimeFigureOut">
               <a:rPr lang="zh-CN" altLang="en-US" smtClean="0"/>
-              <a:t>2016/3/14</a:t>
+              <a:t>2016/3/20</a:t>
             </a:fld>
             <a:endParaRPr lang="zh-CN" altLang="en-US"/>
           </a:p>
@@ -1772,7 +1773,7 @@
           <a:p>
             <a:fld id="{8B4A0A4B-21F2-4AE1-9B1A-E6A6A0DCD50E}" type="datetimeFigureOut">
               <a:rPr lang="zh-CN" altLang="en-US" smtClean="0"/>
-              <a:t>2016/3/14</a:t>
+              <a:t>2016/3/20</a:t>
             </a:fld>
             <a:endParaRPr lang="zh-CN" altLang="en-US"/>
           </a:p>
@@ -2139,7 +2140,7 @@
           <a:p>
             <a:fld id="{8B4A0A4B-21F2-4AE1-9B1A-E6A6A0DCD50E}" type="datetimeFigureOut">
               <a:rPr lang="zh-CN" altLang="en-US" smtClean="0"/>
-              <a:t>2016/3/14</a:t>
+              <a:t>2016/3/20</a:t>
             </a:fld>
             <a:endParaRPr lang="zh-CN" altLang="en-US"/>
           </a:p>
@@ -2257,7 +2258,7 @@
           <a:p>
             <a:fld id="{8B4A0A4B-21F2-4AE1-9B1A-E6A6A0DCD50E}" type="datetimeFigureOut">
               <a:rPr lang="zh-CN" altLang="en-US" smtClean="0"/>
-              <a:t>2016/3/14</a:t>
+              <a:t>2016/3/20</a:t>
             </a:fld>
             <a:endParaRPr lang="zh-CN" altLang="en-US"/>
           </a:p>
@@ -2352,7 +2353,7 @@
           <a:p>
             <a:fld id="{8B4A0A4B-21F2-4AE1-9B1A-E6A6A0DCD50E}" type="datetimeFigureOut">
               <a:rPr lang="zh-CN" altLang="en-US" smtClean="0"/>
-              <a:t>2016/3/14</a:t>
+              <a:t>2016/3/20</a:t>
             </a:fld>
             <a:endParaRPr lang="zh-CN" altLang="en-US"/>
           </a:p>
@@ -2629,7 +2630,7 @@
           <a:p>
             <a:fld id="{8B4A0A4B-21F2-4AE1-9B1A-E6A6A0DCD50E}" type="datetimeFigureOut">
               <a:rPr lang="zh-CN" altLang="en-US" smtClean="0"/>
-              <a:t>2016/3/14</a:t>
+              <a:t>2016/3/20</a:t>
             </a:fld>
             <a:endParaRPr lang="zh-CN" altLang="en-US"/>
           </a:p>
@@ -2886,7 +2887,7 @@
           <a:p>
             <a:fld id="{8B4A0A4B-21F2-4AE1-9B1A-E6A6A0DCD50E}" type="datetimeFigureOut">
               <a:rPr lang="zh-CN" altLang="en-US" smtClean="0"/>
-              <a:t>2016/3/14</a:t>
+              <a:t>2016/3/20</a:t>
             </a:fld>
             <a:endParaRPr lang="zh-CN" altLang="en-US"/>
           </a:p>
@@ -2951,9 +2952,12 @@
 <p:sldMaster xmlns:a="http://schemas.openxmlformats.org/drawingml/2006/main" xmlns:r="http://schemas.openxmlformats.org/officeDocument/2006/relationships" xmlns:p="http://schemas.openxmlformats.org/presentationml/2006/main">
   <p:cSld>
     <p:bg>
-      <p:bgRef idx="1001">
-        <a:schemeClr val="bg1"/>
-      </p:bgRef>
+      <p:bgPr>
+        <a:solidFill>
+          <a:schemeClr val="tx1"/>
+        </a:solidFill>
+        <a:effectLst/>
+      </p:bgPr>
     </p:bg>
     <p:spTree>
       <p:nvGrpSpPr>
@@ -3099,7 +3103,7 @@
           <a:p>
             <a:fld id="{8B4A0A4B-21F2-4AE1-9B1A-E6A6A0DCD50E}" type="datetimeFigureOut">
               <a:rPr lang="zh-CN" altLang="en-US" smtClean="0"/>
-              <a:t>2016/3/14</a:t>
+              <a:t>2016/3/20</a:t>
             </a:fld>
             <a:endParaRPr lang="zh-CN" altLang="en-US"/>
           </a:p>
@@ -3490,14 +3494,151 @@
 <file path=ppt/slides/slide1.xml><?xml version="1.0" encoding="utf-8"?>
 <p:sld xmlns:a="http://schemas.openxmlformats.org/drawingml/2006/main" xmlns:r="http://schemas.openxmlformats.org/officeDocument/2006/relationships" xmlns:p="http://schemas.openxmlformats.org/presentationml/2006/main">
   <p:cSld>
-    <p:bg>
-      <p:bgPr>
-        <a:solidFill>
-          <a:schemeClr val="tx1"/>
-        </a:solidFill>
-        <a:effectLst/>
-      </p:bgPr>
-    </p:bg>
+    <p:spTree>
+      <p:nvGrpSpPr>
+        <p:cNvPr id="1" name=""/>
+        <p:cNvGrpSpPr/>
+        <p:nvPr/>
+      </p:nvGrpSpPr>
+      <p:grpSpPr>
+        <a:xfrm>
+          <a:off x="0" y="0"/>
+          <a:ext cx="0" cy="0"/>
+          <a:chOff x="0" y="0"/>
+          <a:chExt cx="0" cy="0"/>
+        </a:xfrm>
+      </p:grpSpPr>
+      <p:sp>
+        <p:nvSpPr>
+          <p:cNvPr id="2" name="文本框 1"/>
+          <p:cNvSpPr txBox="1"/>
+          <p:nvPr/>
+        </p:nvSpPr>
+        <p:spPr>
+          <a:xfrm>
+            <a:off x="1359568" y="830178"/>
+            <a:ext cx="6485021" cy="1107996"/>
+          </a:xfrm>
+          <a:prstGeom prst="rect">
+            <a:avLst/>
+          </a:prstGeom>
+          <a:noFill/>
+        </p:spPr>
+        <p:txBody>
+          <a:bodyPr wrap="square" rtlCol="0">
+            <a:spAutoFit/>
+          </a:bodyPr>
+          <a:lstStyle/>
+          <a:p>
+            <a:r>
+              <a:rPr lang="zh-CN" altLang="en-US" sz="6600" dirty="0">
+                <a:solidFill>
+                  <a:srgbClr val="00B0F0"/>
+                </a:solidFill>
+                <a:latin typeface="微软雅黑" panose="020B0503020204020204" pitchFamily="34" charset="-122"/>
+                <a:ea typeface="微软雅黑" panose="020B0503020204020204" pitchFamily="34" charset="-122"/>
+              </a:rPr>
+              <a:t>智能窗控制系统</a:t>
+            </a:r>
+          </a:p>
+        </p:txBody>
+      </p:sp>
+      <p:sp>
+        <p:nvSpPr>
+          <p:cNvPr id="3" name="文本框 2"/>
+          <p:cNvSpPr txBox="1"/>
+          <p:nvPr/>
+        </p:nvSpPr>
+        <p:spPr>
+          <a:xfrm>
+            <a:off x="2117557" y="1708485"/>
+            <a:ext cx="5510463" cy="769441"/>
+          </a:xfrm>
+          <a:prstGeom prst="rect">
+            <a:avLst/>
+          </a:prstGeom>
+          <a:noFill/>
+        </p:spPr>
+        <p:txBody>
+          <a:bodyPr wrap="square" rtlCol="0">
+            <a:spAutoFit/>
+          </a:bodyPr>
+          <a:lstStyle/>
+          <a:p>
+            <a:r>
+              <a:rPr lang="en-US" altLang="zh-CN" sz="4400" dirty="0">
+                <a:solidFill>
+                  <a:schemeClr val="accent5">
+                    <a:lumMod val="50000"/>
+                  </a:schemeClr>
+                </a:solidFill>
+              </a:rPr>
+              <a:t>Intelligent Window</a:t>
+            </a:r>
+            <a:endParaRPr lang="zh-CN" altLang="en-US" sz="4400" dirty="0">
+              <a:solidFill>
+                <a:schemeClr val="accent5">
+                  <a:lumMod val="50000"/>
+                </a:schemeClr>
+              </a:solidFill>
+            </a:endParaRPr>
+          </a:p>
+        </p:txBody>
+      </p:sp>
+      <p:sp>
+        <p:nvSpPr>
+          <p:cNvPr id="4" name="文本框 3"/>
+          <p:cNvSpPr txBox="1"/>
+          <p:nvPr/>
+        </p:nvSpPr>
+        <p:spPr>
+          <a:xfrm>
+            <a:off x="3362825" y="3582312"/>
+            <a:ext cx="2478506" cy="707886"/>
+          </a:xfrm>
+          <a:prstGeom prst="rect">
+            <a:avLst/>
+          </a:prstGeom>
+          <a:noFill/>
+        </p:spPr>
+        <p:txBody>
+          <a:bodyPr wrap="square" rtlCol="0">
+            <a:spAutoFit/>
+          </a:bodyPr>
+          <a:lstStyle/>
+          <a:p>
+            <a:r>
+              <a:rPr lang="en-US" altLang="zh-CN" sz="4000" dirty="0">
+                <a:solidFill>
+                  <a:schemeClr val="bg1"/>
+                </a:solidFill>
+              </a:rPr>
+              <a:t>Loading. . .</a:t>
+            </a:r>
+            <a:endParaRPr lang="zh-CN" altLang="en-US" sz="4000" dirty="0">
+              <a:solidFill>
+                <a:schemeClr val="bg1"/>
+              </a:solidFill>
+            </a:endParaRPr>
+          </a:p>
+        </p:txBody>
+      </p:sp>
+    </p:spTree>
+    <p:extLst>
+      <p:ext uri="{BB962C8B-B14F-4D97-AF65-F5344CB8AC3E}">
+        <p14:creationId xmlns:p14="http://schemas.microsoft.com/office/powerpoint/2010/main" val="3853446576"/>
+      </p:ext>
+    </p:extLst>
+  </p:cSld>
+  <p:clrMapOvr>
+    <a:masterClrMapping/>
+  </p:clrMapOvr>
+</p:sld>
+</file>
+
+<file path=ppt/slides/slide2.xml><?xml version="1.0" encoding="utf-8"?>
+<p:sld xmlns:a="http://schemas.openxmlformats.org/drawingml/2006/main" xmlns:r="http://schemas.openxmlformats.org/officeDocument/2006/relationships" xmlns:p="http://schemas.openxmlformats.org/presentationml/2006/main">
+  <p:cSld>
     <p:spTree>
       <p:nvGrpSpPr>
         <p:cNvPr id="1" name=""/>
@@ -4614,17 +4755,9 @@
 </p:sld>
 </file>
 
-<file path=ppt/slides/slide2.xml><?xml version="1.0" encoding="utf-8"?>
+<file path=ppt/slides/slide3.xml><?xml version="1.0" encoding="utf-8"?>
 <p:sld xmlns:a="http://schemas.openxmlformats.org/drawingml/2006/main" xmlns:r="http://schemas.openxmlformats.org/officeDocument/2006/relationships" xmlns:p="http://schemas.openxmlformats.org/presentationml/2006/main">
   <p:cSld>
-    <p:bg>
-      <p:bgPr>
-        <a:solidFill>
-          <a:schemeClr val="tx1"/>
-        </a:solidFill>
-        <a:effectLst/>
-      </p:bgPr>
-    </p:bg>
     <p:spTree>
       <p:nvGrpSpPr>
         <p:cNvPr id="1" name=""/>
@@ -5115,17 +5248,9 @@
 </p:sld>
 </file>
 
-<file path=ppt/slides/slide3.xml><?xml version="1.0" encoding="utf-8"?>
+<file path=ppt/slides/slide4.xml><?xml version="1.0" encoding="utf-8"?>
 <p:sld xmlns:a="http://schemas.openxmlformats.org/drawingml/2006/main" xmlns:r="http://schemas.openxmlformats.org/officeDocument/2006/relationships" xmlns:p="http://schemas.openxmlformats.org/presentationml/2006/main">
   <p:cSld>
-    <p:bg>
-      <p:bgPr>
-        <a:solidFill>
-          <a:schemeClr val="tx1"/>
-        </a:solidFill>
-        <a:effectLst/>
-      </p:bgPr>
-    </p:bg>
     <p:spTree>
       <p:nvGrpSpPr>
         <p:cNvPr id="1" name=""/>
@@ -5557,7 +5682,7 @@
             <a:lightRig rig="threePt" dir="t"/>
           </a:scene3d>
           <a:sp3d>
-            <a:bevelT w="165100" prst="coolSlant"/>
+            <a:bevelT/>
           </a:sp3d>
         </p:spPr>
         <p:style>
@@ -5685,17 +5810,9 @@
 </p:sld>
 </file>
 
-<file path=ppt/slides/slide4.xml><?xml version="1.0" encoding="utf-8"?>
+<file path=ppt/slides/slide5.xml><?xml version="1.0" encoding="utf-8"?>
 <p:sld xmlns:a="http://schemas.openxmlformats.org/drawingml/2006/main" xmlns:r="http://schemas.openxmlformats.org/officeDocument/2006/relationships" xmlns:p="http://schemas.openxmlformats.org/presentationml/2006/main">
   <p:cSld>
-    <p:bg>
-      <p:bgPr>
-        <a:solidFill>
-          <a:schemeClr val="tx1"/>
-        </a:solidFill>
-        <a:effectLst/>
-      </p:bgPr>
-    </p:bg>
     <p:spTree>
       <p:nvGrpSpPr>
         <p:cNvPr id="1" name=""/>
@@ -6001,7 +6118,7 @@
             <a:lightRig rig="threePt" dir="t"/>
           </a:scene3d>
           <a:sp3d>
-            <a:bevelT/>
+            <a:bevelT prst="relaxedInset"/>
           </a:sp3d>
         </p:spPr>
         <p:style>
@@ -6062,7 +6179,7 @@
             <a:lightRig rig="threePt" dir="t"/>
           </a:scene3d>
           <a:sp3d>
-            <a:bevelT/>
+            <a:bevelT prst="relaxedInset"/>
           </a:sp3d>
         </p:spPr>
         <p:style>
@@ -6251,17 +6368,9 @@
 </p:sld>
 </file>
 
-<file path=ppt/slides/slide5.xml><?xml version="1.0" encoding="utf-8"?>
+<file path=ppt/slides/slide6.xml><?xml version="1.0" encoding="utf-8"?>
 <p:sld xmlns:a="http://schemas.openxmlformats.org/drawingml/2006/main" xmlns:r="http://schemas.openxmlformats.org/officeDocument/2006/relationships" xmlns:p="http://schemas.openxmlformats.org/presentationml/2006/main">
   <p:cSld>
-    <p:bg>
-      <p:bgPr>
-        <a:solidFill>
-          <a:schemeClr val="tx1"/>
-        </a:solidFill>
-        <a:effectLst/>
-      </p:bgPr>
-    </p:bg>
     <p:spTree>
       <p:nvGrpSpPr>
         <p:cNvPr id="1" name=""/>
@@ -6573,7 +6682,7 @@
         </p:nvGrpSpPr>
         <p:grpSpPr>
           <a:xfrm>
-            <a:off x="3469444" y="1988744"/>
+            <a:off x="3469444" y="2059000"/>
             <a:ext cx="1897209" cy="603995"/>
             <a:chOff x="1561996" y="4488705"/>
             <a:chExt cx="2918480" cy="858752"/>
@@ -6958,17 +7067,9 @@
 </p:sld>
 </file>
 
-<file path=ppt/slides/slide6.xml><?xml version="1.0" encoding="utf-8"?>
+<file path=ppt/slides/slide7.xml><?xml version="1.0" encoding="utf-8"?>
 <p:sld xmlns:a="http://schemas.openxmlformats.org/drawingml/2006/main" xmlns:r="http://schemas.openxmlformats.org/officeDocument/2006/relationships" xmlns:p="http://schemas.openxmlformats.org/presentationml/2006/main">
   <p:cSld>
-    <p:bg>
-      <p:bgPr>
-        <a:solidFill>
-          <a:schemeClr val="tx1"/>
-        </a:solidFill>
-        <a:effectLst/>
-      </p:bgPr>
-    </p:bg>
     <p:spTree>
       <p:nvGrpSpPr>
         <p:cNvPr id="1" name=""/>
@@ -7274,7 +7375,99 @@
       </p:sp>
       <p:sp>
         <p:nvSpPr>
-          <p:cNvPr id="34" name="矩形 33"/>
+          <p:cNvPr id="41" name="圆角矩形 40"/>
+          <p:cNvSpPr/>
+          <p:nvPr/>
+        </p:nvSpPr>
+        <p:spPr>
+          <a:xfrm>
+            <a:off x="3469444" y="2059000"/>
+            <a:ext cx="1897209" cy="603995"/>
+          </a:xfrm>
+          <a:prstGeom prst="roundRect">
+            <a:avLst/>
+          </a:prstGeom>
+          <a:noFill/>
+          <a:ln w="38100">
+            <a:solidFill>
+              <a:schemeClr val="accent1"/>
+            </a:solidFill>
+          </a:ln>
+        </p:spPr>
+        <p:style>
+          <a:lnRef idx="2">
+            <a:schemeClr val="accent1">
+              <a:shade val="50000"/>
+            </a:schemeClr>
+          </a:lnRef>
+          <a:fillRef idx="1">
+            <a:schemeClr val="accent1"/>
+          </a:fillRef>
+          <a:effectRef idx="0">
+            <a:schemeClr val="accent1"/>
+          </a:effectRef>
+          <a:fontRef idx="minor">
+            <a:schemeClr val="lt1"/>
+          </a:fontRef>
+        </p:style>
+        <p:txBody>
+          <a:bodyPr rtlCol="0" anchor="ctr"/>
+          <a:lstStyle/>
+          <a:p>
+            <a:pPr algn="ctr"/>
+            <a:endParaRPr lang="zh-CN" altLang="en-US"/>
+          </a:p>
+        </p:txBody>
+      </p:sp>
+      <p:sp>
+        <p:nvSpPr>
+          <p:cNvPr id="44" name="圆角矩形 43"/>
+          <p:cNvSpPr/>
+          <p:nvPr/>
+        </p:nvSpPr>
+        <p:spPr>
+          <a:xfrm>
+            <a:off x="3469444" y="3277150"/>
+            <a:ext cx="1897209" cy="603995"/>
+          </a:xfrm>
+          <a:prstGeom prst="roundRect">
+            <a:avLst/>
+          </a:prstGeom>
+          <a:noFill/>
+          <a:ln w="38100">
+            <a:solidFill>
+              <a:schemeClr val="accent1"/>
+            </a:solidFill>
+          </a:ln>
+        </p:spPr>
+        <p:style>
+          <a:lnRef idx="2">
+            <a:schemeClr val="accent1">
+              <a:shade val="50000"/>
+            </a:schemeClr>
+          </a:lnRef>
+          <a:fillRef idx="1">
+            <a:schemeClr val="accent1"/>
+          </a:fillRef>
+          <a:effectRef idx="0">
+            <a:schemeClr val="accent1"/>
+          </a:effectRef>
+          <a:fontRef idx="minor">
+            <a:schemeClr val="lt1"/>
+          </a:fontRef>
+        </p:style>
+        <p:txBody>
+          <a:bodyPr rtlCol="0" anchor="ctr"/>
+          <a:lstStyle/>
+          <a:p>
+            <a:pPr algn="ctr"/>
+            <a:endParaRPr lang="zh-CN" altLang="en-US"/>
+          </a:p>
+        </p:txBody>
+      </p:sp>
+      <p:sp>
+        <p:nvSpPr>
+          <p:cNvPr id="15" name="矩形 14"/>
           <p:cNvSpPr/>
           <p:nvPr/>
         </p:nvSpPr>
@@ -7336,253 +7529,9 @@
           </a:p>
         </p:txBody>
       </p:sp>
-      <p:grpSp>
-        <p:nvGrpSpPr>
-          <p:cNvPr id="3" name="组合 2"/>
-          <p:cNvGrpSpPr/>
-          <p:nvPr/>
-        </p:nvGrpSpPr>
-        <p:grpSpPr>
-          <a:xfrm>
-            <a:off x="3471250" y="1998170"/>
-            <a:ext cx="1895403" cy="609443"/>
-            <a:chOff x="3120635" y="660788"/>
-            <a:chExt cx="2918480" cy="858752"/>
-          </a:xfrm>
-        </p:grpSpPr>
-        <p:sp>
-          <p:nvSpPr>
-            <p:cNvPr id="16" name="矩形 15"/>
-            <p:cNvSpPr/>
-            <p:nvPr/>
-          </p:nvSpPr>
-          <p:spPr>
-            <a:xfrm>
-              <a:off x="4579875" y="695340"/>
-              <a:ext cx="1385776" cy="824200"/>
-            </a:xfrm>
-            <a:prstGeom prst="rect">
-              <a:avLst/>
-            </a:prstGeom>
-            <a:solidFill>
-              <a:srgbClr val="FF0000"/>
-            </a:solidFill>
-            <a:ln>
-              <a:solidFill>
-                <a:srgbClr val="FF0000"/>
-              </a:solidFill>
-            </a:ln>
-            <a:scene3d>
-              <a:camera prst="orthographicFront"/>
-              <a:lightRig rig="threePt" dir="t"/>
-            </a:scene3d>
-            <a:sp3d>
-              <a:bevelT w="152400" h="50800" prst="softRound"/>
-            </a:sp3d>
-          </p:spPr>
-          <p:style>
-            <a:lnRef idx="2">
-              <a:schemeClr val="accent1">
-                <a:shade val="50000"/>
-              </a:schemeClr>
-            </a:lnRef>
-            <a:fillRef idx="1">
-              <a:schemeClr val="accent1"/>
-            </a:fillRef>
-            <a:effectRef idx="0">
-              <a:schemeClr val="accent1"/>
-            </a:effectRef>
-            <a:fontRef idx="minor">
-              <a:schemeClr val="lt1"/>
-            </a:fontRef>
-          </p:style>
-          <p:txBody>
-            <a:bodyPr rtlCol="0" anchor="ctr"/>
-            <a:lstStyle/>
-            <a:p>
-              <a:pPr algn="ctr"/>
-              <a:r>
-                <a:rPr lang="en-US" altLang="zh-CN" sz="2800" dirty="0">
-                  <a:latin typeface="Adobe 黑体 Std R" panose="020B0400000000000000" pitchFamily="34" charset="-122"/>
-                  <a:ea typeface="Adobe 黑体 Std R" panose="020B0400000000000000" pitchFamily="34" charset="-122"/>
-                </a:rPr>
-                <a:t>OFF</a:t>
-              </a:r>
-            </a:p>
-          </p:txBody>
-        </p:sp>
-        <p:sp>
-          <p:nvSpPr>
-            <p:cNvPr id="17" name="圆角矩形 16"/>
-            <p:cNvSpPr/>
-            <p:nvPr/>
-          </p:nvSpPr>
-          <p:spPr>
-            <a:xfrm>
-              <a:off x="3120635" y="660788"/>
-              <a:ext cx="2918480" cy="858752"/>
-            </a:xfrm>
-            <a:prstGeom prst="roundRect">
-              <a:avLst/>
-            </a:prstGeom>
-            <a:noFill/>
-            <a:ln w="38100">
-              <a:solidFill>
-                <a:schemeClr val="accent1"/>
-              </a:solidFill>
-            </a:ln>
-          </p:spPr>
-          <p:style>
-            <a:lnRef idx="2">
-              <a:schemeClr val="accent1">
-                <a:shade val="50000"/>
-              </a:schemeClr>
-            </a:lnRef>
-            <a:fillRef idx="1">
-              <a:schemeClr val="accent1"/>
-            </a:fillRef>
-            <a:effectRef idx="0">
-              <a:schemeClr val="accent1"/>
-            </a:effectRef>
-            <a:fontRef idx="minor">
-              <a:schemeClr val="lt1"/>
-            </a:fontRef>
-          </p:style>
-          <p:txBody>
-            <a:bodyPr rtlCol="0" anchor="ctr"/>
-            <a:lstStyle/>
-            <a:p>
-              <a:pPr algn="ctr"/>
-              <a:endParaRPr lang="zh-CN" altLang="en-US"/>
-            </a:p>
-          </p:txBody>
-        </p:sp>
-      </p:grpSp>
-      <p:grpSp>
-        <p:nvGrpSpPr>
-          <p:cNvPr id="19" name="组合 18"/>
-          <p:cNvGrpSpPr/>
-          <p:nvPr/>
-        </p:nvGrpSpPr>
-        <p:grpSpPr>
-          <a:xfrm>
-            <a:off x="3471250" y="3268978"/>
-            <a:ext cx="1895403" cy="609443"/>
-            <a:chOff x="3120635" y="660788"/>
-            <a:chExt cx="2918480" cy="858752"/>
-          </a:xfrm>
-        </p:grpSpPr>
-        <p:sp>
-          <p:nvSpPr>
-            <p:cNvPr id="20" name="矩形 19"/>
-            <p:cNvSpPr/>
-            <p:nvPr/>
-          </p:nvSpPr>
-          <p:spPr>
-            <a:xfrm>
-              <a:off x="4579875" y="695340"/>
-              <a:ext cx="1385776" cy="824200"/>
-            </a:xfrm>
-            <a:prstGeom prst="rect">
-              <a:avLst/>
-            </a:prstGeom>
-            <a:solidFill>
-              <a:srgbClr val="FF0000"/>
-            </a:solidFill>
-            <a:ln>
-              <a:solidFill>
-                <a:srgbClr val="FF0000"/>
-              </a:solidFill>
-            </a:ln>
-            <a:scene3d>
-              <a:camera prst="orthographicFront"/>
-              <a:lightRig rig="threePt" dir="t"/>
-            </a:scene3d>
-            <a:sp3d>
-              <a:bevelT w="152400" h="50800" prst="softRound"/>
-            </a:sp3d>
-          </p:spPr>
-          <p:style>
-            <a:lnRef idx="2">
-              <a:schemeClr val="accent1">
-                <a:shade val="50000"/>
-              </a:schemeClr>
-            </a:lnRef>
-            <a:fillRef idx="1">
-              <a:schemeClr val="accent1"/>
-            </a:fillRef>
-            <a:effectRef idx="0">
-              <a:schemeClr val="accent1"/>
-            </a:effectRef>
-            <a:fontRef idx="minor">
-              <a:schemeClr val="lt1"/>
-            </a:fontRef>
-          </p:style>
-          <p:txBody>
-            <a:bodyPr rtlCol="0" anchor="ctr"/>
-            <a:lstStyle/>
-            <a:p>
-              <a:pPr algn="ctr"/>
-              <a:r>
-                <a:rPr lang="en-US" altLang="zh-CN" sz="2800" dirty="0">
-                  <a:latin typeface="Adobe 黑体 Std R" panose="020B0400000000000000" pitchFamily="34" charset="-122"/>
-                  <a:ea typeface="Adobe 黑体 Std R" panose="020B0400000000000000" pitchFamily="34" charset="-122"/>
-                </a:rPr>
-                <a:t>OFF</a:t>
-              </a:r>
-            </a:p>
-          </p:txBody>
-        </p:sp>
-        <p:sp>
-          <p:nvSpPr>
-            <p:cNvPr id="21" name="圆角矩形 20"/>
-            <p:cNvSpPr/>
-            <p:nvPr/>
-          </p:nvSpPr>
-          <p:spPr>
-            <a:xfrm>
-              <a:off x="3120635" y="660788"/>
-              <a:ext cx="2918480" cy="858752"/>
-            </a:xfrm>
-            <a:prstGeom prst="roundRect">
-              <a:avLst/>
-            </a:prstGeom>
-            <a:noFill/>
-            <a:ln w="38100">
-              <a:solidFill>
-                <a:schemeClr val="accent1"/>
-              </a:solidFill>
-            </a:ln>
-          </p:spPr>
-          <p:style>
-            <a:lnRef idx="2">
-              <a:schemeClr val="accent1">
-                <a:shade val="50000"/>
-              </a:schemeClr>
-            </a:lnRef>
-            <a:fillRef idx="1">
-              <a:schemeClr val="accent1"/>
-            </a:fillRef>
-            <a:effectRef idx="0">
-              <a:schemeClr val="accent1"/>
-            </a:effectRef>
-            <a:fontRef idx="minor">
-              <a:schemeClr val="lt1"/>
-            </a:fontRef>
-          </p:style>
-          <p:txBody>
-            <a:bodyPr rtlCol="0" anchor="ctr"/>
-            <a:lstStyle/>
-            <a:p>
-              <a:pPr algn="ctr"/>
-              <a:endParaRPr lang="zh-CN" altLang="en-US"/>
-            </a:p>
-          </p:txBody>
-        </p:sp>
-      </p:grpSp>
-      <p:sp>
-        <p:nvSpPr>
-          <p:cNvPr id="28" name="矩形 27"/>
+      <p:sp>
+        <p:nvSpPr>
+          <p:cNvPr id="16" name="矩形 15"/>
           <p:cNvSpPr/>
           <p:nvPr/>
         </p:nvSpPr>
@@ -7644,335 +7593,26 @@
           </a:p>
         </p:txBody>
       </p:sp>
-    </p:spTree>
-    <p:extLst>
-      <p:ext uri="{BB962C8B-B14F-4D97-AF65-F5344CB8AC3E}">
-        <p14:creationId xmlns:p14="http://schemas.microsoft.com/office/powerpoint/2010/main" val="2363686115"/>
-      </p:ext>
-    </p:extLst>
-  </p:cSld>
-  <p:clrMapOvr>
-    <a:masterClrMapping/>
-  </p:clrMapOvr>
-</p:sld>
-</file>
-
-<file path=ppt/slides/slide7.xml><?xml version="1.0" encoding="utf-8"?>
-<p:sld xmlns:a="http://schemas.openxmlformats.org/drawingml/2006/main" xmlns:r="http://schemas.openxmlformats.org/officeDocument/2006/relationships" xmlns:p="http://schemas.openxmlformats.org/presentationml/2006/main">
-  <p:cSld>
-    <p:bg>
-      <p:bgPr>
-        <a:solidFill>
-          <a:schemeClr val="tx1"/>
-        </a:solidFill>
-        <a:effectLst/>
-      </p:bgPr>
-    </p:bg>
-    <p:spTree>
-      <p:nvGrpSpPr>
-        <p:cNvPr id="1" name=""/>
-        <p:cNvGrpSpPr/>
-        <p:nvPr/>
-      </p:nvGrpSpPr>
-      <p:grpSpPr>
-        <a:xfrm>
-          <a:off x="0" y="0"/>
-          <a:ext cx="0" cy="0"/>
-          <a:chOff x="0" y="0"/>
-          <a:chExt cx="0" cy="0"/>
-        </a:xfrm>
-      </p:grpSpPr>
-      <p:sp>
-        <p:nvSpPr>
-          <p:cNvPr id="8" name="文本框 7"/>
-          <p:cNvSpPr txBox="1"/>
+      <p:sp>
+        <p:nvSpPr>
+          <p:cNvPr id="17" name="矩形 16"/>
+          <p:cNvSpPr/>
           <p:nvPr/>
         </p:nvSpPr>
         <p:spPr>
           <a:xfrm>
-            <a:off x="533367" y="235104"/>
-            <a:ext cx="2500025" cy="707886"/>
-          </a:xfrm>
-          <a:prstGeom prst="rect">
-            <a:avLst/>
-          </a:prstGeom>
-          <a:noFill/>
-        </p:spPr>
-        <p:txBody>
-          <a:bodyPr wrap="square" rtlCol="0">
-            <a:spAutoFit/>
-          </a:bodyPr>
-          <a:lstStyle/>
-          <a:p>
-            <a:r>
-              <a:rPr lang="zh-CN" altLang="en-US" sz="4000" b="1" dirty="0">
-                <a:solidFill>
-                  <a:srgbClr val="FFFF00"/>
-                </a:solidFill>
-                <a:latin typeface="Adobe 黑体 Std R" panose="020B0400000000000000" pitchFamily="34" charset="-122"/>
-                <a:ea typeface="Adobe 黑体 Std R" panose="020B0400000000000000" pitchFamily="34" charset="-122"/>
-              </a:rPr>
-              <a:t>高级设置</a:t>
-            </a:r>
-          </a:p>
-        </p:txBody>
-      </p:sp>
-      <p:sp>
-        <p:nvSpPr>
-          <p:cNvPr id="24" name="文本框 23"/>
-          <p:cNvSpPr txBox="1"/>
-          <p:nvPr/>
-        </p:nvSpPr>
-        <p:spPr>
-          <a:xfrm>
-            <a:off x="6388984" y="4681826"/>
-            <a:ext cx="1855581" cy="698204"/>
+            <a:off x="4439653" y="2105255"/>
+            <a:ext cx="830179" cy="523578"/>
           </a:xfrm>
           <a:prstGeom prst="rect">
             <a:avLst/>
           </a:prstGeom>
           <a:solidFill>
-            <a:schemeClr val="accent1">
-              <a:lumMod val="60000"/>
-              <a:lumOff val="40000"/>
-            </a:schemeClr>
+            <a:srgbClr val="FF0000"/>
           </a:solidFill>
           <a:ln>
             <a:solidFill>
-              <a:schemeClr val="bg1"/>
-            </a:solidFill>
-          </a:ln>
-          <a:scene3d>
-            <a:camera prst="orthographicFront"/>
-            <a:lightRig rig="threePt" dir="t"/>
-          </a:scene3d>
-          <a:sp3d>
-            <a:bevelT w="165100" prst="coolSlant"/>
-          </a:sp3d>
-        </p:spPr>
-        <p:style>
-          <a:lnRef idx="2">
-            <a:schemeClr val="dk1"/>
-          </a:lnRef>
-          <a:fillRef idx="1">
-            <a:schemeClr val="lt1"/>
-          </a:fillRef>
-          <a:effectRef idx="0">
-            <a:schemeClr val="dk1"/>
-          </a:effectRef>
-          <a:fontRef idx="minor">
-            <a:schemeClr val="dk1"/>
-          </a:fontRef>
-        </p:style>
-        <p:txBody>
-          <a:bodyPr wrap="square" rtlCol="0">
-            <a:spAutoFit/>
-          </a:bodyPr>
-          <a:lstStyle/>
-          <a:p>
-            <a:pPr algn="ctr"/>
-            <a:r>
-              <a:rPr lang="zh-CN" altLang="en-US" sz="3937" dirty="0">
-                <a:solidFill>
-                  <a:schemeClr val="bg1"/>
-                </a:solidFill>
-                <a:latin typeface="Adobe 黑体 Std R" panose="020B0400000000000000" pitchFamily="34" charset="-122"/>
-                <a:ea typeface="Adobe 黑体 Std R" panose="020B0400000000000000" pitchFamily="34" charset="-122"/>
-              </a:rPr>
-              <a:t>返回</a:t>
-            </a:r>
-          </a:p>
-        </p:txBody>
-      </p:sp>
-      <p:sp>
-        <p:nvSpPr>
-          <p:cNvPr id="26" name="文本框 25"/>
-          <p:cNvSpPr txBox="1"/>
-          <p:nvPr/>
-        </p:nvSpPr>
-        <p:spPr>
-          <a:xfrm>
-            <a:off x="280590" y="942853"/>
-            <a:ext cx="2752802" cy="4437177"/>
-          </a:xfrm>
-          <a:prstGeom prst="rect">
-            <a:avLst/>
-          </a:prstGeom>
-          <a:noFill/>
-        </p:spPr>
-        <p:txBody>
-          <a:bodyPr wrap="square" rtlCol="0">
-            <a:spAutoFit/>
-          </a:bodyPr>
-          <a:lstStyle/>
-          <a:p>
-            <a:pPr algn="ctr">
-              <a:lnSpc>
-                <a:spcPct val="150000"/>
-              </a:lnSpc>
-            </a:pPr>
-            <a:r>
-              <a:rPr lang="zh-CN" altLang="en-US" sz="3200" dirty="0">
-                <a:solidFill>
-                  <a:schemeClr val="bg1"/>
-                </a:solidFill>
-                <a:latin typeface="Adobe 黑体 Std R" panose="020B0400000000000000" pitchFamily="34" charset="-122"/>
-                <a:ea typeface="Adobe 黑体 Std R" panose="020B0400000000000000" pitchFamily="34" charset="-122"/>
-              </a:rPr>
-              <a:t>计算参数</a:t>
-            </a:r>
-            <a:r>
-              <a:rPr lang="en-US" altLang="zh-CN" sz="3200" dirty="0">
-                <a:solidFill>
-                  <a:schemeClr val="bg1"/>
-                </a:solidFill>
-                <a:latin typeface="Adobe 黑体 Std R" panose="020B0400000000000000" pitchFamily="34" charset="-122"/>
-                <a:ea typeface="Adobe 黑体 Std R" panose="020B0400000000000000" pitchFamily="34" charset="-122"/>
-              </a:rPr>
-              <a:t>1</a:t>
-            </a:r>
-          </a:p>
-          <a:p>
-            <a:pPr algn="ctr">
-              <a:lnSpc>
-                <a:spcPct val="150000"/>
-              </a:lnSpc>
-            </a:pPr>
-            <a:r>
-              <a:rPr lang="zh-CN" altLang="en-US" sz="3200" dirty="0">
-                <a:solidFill>
-                  <a:schemeClr val="bg1"/>
-                </a:solidFill>
-                <a:latin typeface="Adobe 黑体 Std R" panose="020B0400000000000000" pitchFamily="34" charset="-122"/>
-                <a:ea typeface="Adobe 黑体 Std R" panose="020B0400000000000000" pitchFamily="34" charset="-122"/>
-              </a:rPr>
-              <a:t>计算参数</a:t>
-            </a:r>
-            <a:r>
-              <a:rPr lang="en-US" altLang="zh-CN" sz="3200" dirty="0">
-                <a:solidFill>
-                  <a:schemeClr val="bg1"/>
-                </a:solidFill>
-                <a:latin typeface="Adobe 黑体 Std R" panose="020B0400000000000000" pitchFamily="34" charset="-122"/>
-                <a:ea typeface="Adobe 黑体 Std R" panose="020B0400000000000000" pitchFamily="34" charset="-122"/>
-              </a:rPr>
-              <a:t>2</a:t>
-            </a:r>
-          </a:p>
-          <a:p>
-            <a:pPr algn="ctr">
-              <a:lnSpc>
-                <a:spcPct val="150000"/>
-              </a:lnSpc>
-            </a:pPr>
-            <a:r>
-              <a:rPr lang="zh-CN" altLang="en-US" sz="3200" dirty="0">
-                <a:solidFill>
-                  <a:schemeClr val="bg1"/>
-                </a:solidFill>
-                <a:latin typeface="Adobe 黑体 Std R" panose="020B0400000000000000" pitchFamily="34" charset="-122"/>
-                <a:ea typeface="Adobe 黑体 Std R" panose="020B0400000000000000" pitchFamily="34" charset="-122"/>
-              </a:rPr>
-              <a:t>计算参数</a:t>
-            </a:r>
-            <a:r>
-              <a:rPr lang="en-US" altLang="zh-CN" sz="3200" dirty="0">
-                <a:solidFill>
-                  <a:schemeClr val="bg1"/>
-                </a:solidFill>
-                <a:latin typeface="Adobe 黑体 Std R" panose="020B0400000000000000" pitchFamily="34" charset="-122"/>
-                <a:ea typeface="Adobe 黑体 Std R" panose="020B0400000000000000" pitchFamily="34" charset="-122"/>
-              </a:rPr>
-              <a:t>3</a:t>
-            </a:r>
-          </a:p>
-          <a:p>
-            <a:pPr algn="ctr">
-              <a:lnSpc>
-                <a:spcPct val="150000"/>
-              </a:lnSpc>
-            </a:pPr>
-            <a:r>
-              <a:rPr lang="zh-CN" altLang="en-US" sz="3200" dirty="0">
-                <a:solidFill>
-                  <a:schemeClr val="bg1"/>
-                </a:solidFill>
-                <a:latin typeface="Adobe 黑体 Std R" panose="020B0400000000000000" pitchFamily="34" charset="-122"/>
-                <a:ea typeface="Adobe 黑体 Std R" panose="020B0400000000000000" pitchFamily="34" charset="-122"/>
-              </a:rPr>
-              <a:t>调整时间</a:t>
-            </a:r>
-            <a:endParaRPr lang="en-US" altLang="zh-CN" sz="3200" dirty="0">
-              <a:solidFill>
-                <a:schemeClr val="bg1"/>
-              </a:solidFill>
-              <a:latin typeface="Adobe 黑体 Std R" panose="020B0400000000000000" pitchFamily="34" charset="-122"/>
-              <a:ea typeface="Adobe 黑体 Std R" panose="020B0400000000000000" pitchFamily="34" charset="-122"/>
-            </a:endParaRPr>
-          </a:p>
-          <a:p>
-            <a:pPr algn="ctr">
-              <a:lnSpc>
-                <a:spcPct val="150000"/>
-              </a:lnSpc>
-            </a:pPr>
-            <a:r>
-              <a:rPr lang="zh-CN" altLang="en-US" sz="3200" dirty="0">
-                <a:solidFill>
-                  <a:schemeClr val="bg1"/>
-                </a:solidFill>
-                <a:latin typeface="Adobe 黑体 Std R" panose="020B0400000000000000" pitchFamily="34" charset="-122"/>
-                <a:ea typeface="Adobe 黑体 Std R" panose="020B0400000000000000" pitchFamily="34" charset="-122"/>
-              </a:rPr>
-              <a:t>刷新间隔</a:t>
-            </a:r>
-            <a:endParaRPr lang="en-US" altLang="zh-CN" sz="3200" dirty="0">
-              <a:solidFill>
-                <a:schemeClr val="bg1"/>
-              </a:solidFill>
-              <a:latin typeface="Adobe 黑体 Std R" panose="020B0400000000000000" pitchFamily="34" charset="-122"/>
-              <a:ea typeface="Adobe 黑体 Std R" panose="020B0400000000000000" pitchFamily="34" charset="-122"/>
-            </a:endParaRPr>
-          </a:p>
-          <a:p>
-            <a:pPr algn="ctr">
-              <a:lnSpc>
-                <a:spcPct val="150000"/>
-              </a:lnSpc>
-            </a:pPr>
-            <a:r>
-              <a:rPr lang="zh-CN" altLang="en-US" sz="3200" dirty="0">
-                <a:solidFill>
-                  <a:schemeClr val="bg1"/>
-                </a:solidFill>
-                <a:latin typeface="Adobe 黑体 Std R" panose="020B0400000000000000" pitchFamily="34" charset="-122"/>
-                <a:ea typeface="Adobe 黑体 Std R" panose="020B0400000000000000" pitchFamily="34" charset="-122"/>
-              </a:rPr>
-              <a:t>节能模式</a:t>
-            </a:r>
-          </a:p>
-        </p:txBody>
-      </p:sp>
-      <p:sp>
-        <p:nvSpPr>
-          <p:cNvPr id="19" name="矩形 18"/>
-          <p:cNvSpPr/>
-          <p:nvPr/>
-        </p:nvSpPr>
-        <p:spPr>
-          <a:xfrm>
-            <a:off x="2893693" y="4784632"/>
-            <a:ext cx="1487808" cy="492592"/>
-          </a:xfrm>
-          <a:prstGeom prst="rect">
-            <a:avLst/>
-          </a:prstGeom>
-          <a:solidFill>
-            <a:srgbClr val="00B050"/>
-          </a:solidFill>
-          <a:ln>
-            <a:solidFill>
-              <a:srgbClr val="00B050"/>
+              <a:srgbClr val="FF0000"/>
             </a:solidFill>
           </a:ln>
           <a:scene3d>
@@ -8005,14 +7645,72 @@
           <a:p>
             <a:pPr algn="ctr"/>
             <a:r>
-              <a:rPr lang="zh-CN" altLang="en-US" sz="2756" dirty="0">
-                <a:solidFill>
-                  <a:schemeClr val="bg1"/>
-                </a:solidFill>
+              <a:rPr lang="en-US" altLang="zh-CN" sz="2400" dirty="0">
                 <a:latin typeface="Adobe 黑体 Std R" panose="020B0400000000000000" pitchFamily="34" charset="-122"/>
                 <a:ea typeface="Adobe 黑体 Std R" panose="020B0400000000000000" pitchFamily="34" charset="-122"/>
               </a:rPr>
-              <a:t>正常</a:t>
+              <a:t>OFF</a:t>
+            </a:r>
+          </a:p>
+        </p:txBody>
+      </p:sp>
+      <p:sp>
+        <p:nvSpPr>
+          <p:cNvPr id="18" name="矩形 17"/>
+          <p:cNvSpPr/>
+          <p:nvPr/>
+        </p:nvSpPr>
+        <p:spPr>
+          <a:xfrm>
+            <a:off x="4435643" y="3328466"/>
+            <a:ext cx="830179" cy="523578"/>
+          </a:xfrm>
+          <a:prstGeom prst="rect">
+            <a:avLst/>
+          </a:prstGeom>
+          <a:solidFill>
+            <a:srgbClr val="FF0000"/>
+          </a:solidFill>
+          <a:ln>
+            <a:solidFill>
+              <a:srgbClr val="FF0000"/>
+            </a:solidFill>
+          </a:ln>
+          <a:scene3d>
+            <a:camera prst="orthographicFront"/>
+            <a:lightRig rig="threePt" dir="t"/>
+          </a:scene3d>
+          <a:sp3d>
+            <a:bevelT/>
+          </a:sp3d>
+        </p:spPr>
+        <p:style>
+          <a:lnRef idx="2">
+            <a:schemeClr val="accent1">
+              <a:shade val="50000"/>
+            </a:schemeClr>
+          </a:lnRef>
+          <a:fillRef idx="1">
+            <a:schemeClr val="accent1"/>
+          </a:fillRef>
+          <a:effectRef idx="0">
+            <a:schemeClr val="accent1"/>
+          </a:effectRef>
+          <a:fontRef idx="minor">
+            <a:schemeClr val="lt1"/>
+          </a:fontRef>
+        </p:style>
+        <p:txBody>
+          <a:bodyPr rtlCol="0" anchor="ctr"/>
+          <a:lstStyle/>
+          <a:p>
+            <a:pPr algn="ctr"/>
+            <a:r>
+              <a:rPr lang="en-US" altLang="zh-CN" sz="2400" dirty="0">
+                <a:latin typeface="Adobe 黑体 Std R" panose="020B0400000000000000" pitchFamily="34" charset="-122"/>
+                <a:ea typeface="Adobe 黑体 Std R" panose="020B0400000000000000" pitchFamily="34" charset="-122"/>
+              </a:rPr>
+              <a:t>OFF</a:t>
             </a:r>
           </a:p>
         </p:txBody>
@@ -8020,7 +7718,7 @@
     </p:spTree>
     <p:extLst>
       <p:ext uri="{BB962C8B-B14F-4D97-AF65-F5344CB8AC3E}">
-        <p14:creationId xmlns:p14="http://schemas.microsoft.com/office/powerpoint/2010/main" val="3645994449"/>
+        <p14:creationId xmlns:p14="http://schemas.microsoft.com/office/powerpoint/2010/main" val="1190389774"/>
       </p:ext>
     </p:extLst>
   </p:cSld>
@@ -8033,14 +7731,6 @@
 <file path=ppt/slides/slide8.xml><?xml version="1.0" encoding="utf-8"?>
 <p:sld xmlns:a="http://schemas.openxmlformats.org/drawingml/2006/main" xmlns:r="http://schemas.openxmlformats.org/officeDocument/2006/relationships" xmlns:p="http://schemas.openxmlformats.org/presentationml/2006/main">
   <p:cSld>
-    <p:bg>
-      <p:bgPr>
-        <a:solidFill>
-          <a:schemeClr val="tx1"/>
-        </a:solidFill>
-        <a:effectLst/>
-      </p:bgPr>
-    </p:bg>
     <p:spTree>
       <p:nvGrpSpPr>
         <p:cNvPr id="1" name=""/>
@@ -8063,15 +7753,13 @@
         </p:nvSpPr>
         <p:spPr>
           <a:xfrm>
-            <a:off x="533368" y="340317"/>
-            <a:ext cx="2730532" cy="769441"/>
+            <a:off x="533367" y="235104"/>
+            <a:ext cx="2500025" cy="707886"/>
           </a:xfrm>
           <a:prstGeom prst="rect">
             <a:avLst/>
           </a:prstGeom>
-          <a:solidFill>
-            <a:schemeClr val="tx1"/>
-          </a:solidFill>
+          <a:noFill/>
         </p:spPr>
         <p:txBody>
           <a:bodyPr wrap="square" rtlCol="0">
@@ -8080,14 +7768,14 @@
           <a:lstStyle/>
           <a:p>
             <a:r>
-              <a:rPr lang="zh-CN" altLang="en-US" sz="4400" b="1" dirty="0">
+              <a:rPr lang="zh-CN" altLang="en-US" sz="4000" b="1" dirty="0">
                 <a:solidFill>
-                  <a:schemeClr val="bg1"/>
+                  <a:srgbClr val="FFFF00"/>
                 </a:solidFill>
-                <a:latin typeface="微软雅黑" panose="020B0503020204020204" pitchFamily="34" charset="-122"/>
-                <a:ea typeface="微软雅黑" panose="020B0503020204020204" pitchFamily="34" charset="-122"/>
+                <a:latin typeface="Adobe 黑体 Std R" panose="020B0400000000000000" pitchFamily="34" charset="-122"/>
+                <a:ea typeface="Adobe 黑体 Std R" panose="020B0400000000000000" pitchFamily="34" charset="-122"/>
               </a:rPr>
-              <a:t>关于系统</a:t>
+              <a:t>高级设置</a:t>
             </a:r>
           </a:p>
         </p:txBody>
@@ -8161,6 +7849,309 @@
       </p:sp>
       <p:sp>
         <p:nvSpPr>
+          <p:cNvPr id="26" name="文本框 25"/>
+          <p:cNvSpPr txBox="1"/>
+          <p:nvPr/>
+        </p:nvSpPr>
+        <p:spPr>
+          <a:xfrm>
+            <a:off x="280590" y="942853"/>
+            <a:ext cx="2752802" cy="4437177"/>
+          </a:xfrm>
+          <a:prstGeom prst="rect">
+            <a:avLst/>
+          </a:prstGeom>
+          <a:noFill/>
+        </p:spPr>
+        <p:txBody>
+          <a:bodyPr wrap="square" rtlCol="0">
+            <a:spAutoFit/>
+          </a:bodyPr>
+          <a:lstStyle/>
+          <a:p>
+            <a:pPr algn="ctr">
+              <a:lnSpc>
+                <a:spcPct val="150000"/>
+              </a:lnSpc>
+            </a:pPr>
+            <a:r>
+              <a:rPr lang="zh-CN" altLang="en-US" sz="3200" dirty="0">
+                <a:solidFill>
+                  <a:schemeClr val="bg1"/>
+                </a:solidFill>
+                <a:latin typeface="Adobe 黑体 Std R" panose="020B0400000000000000" pitchFamily="34" charset="-122"/>
+                <a:ea typeface="Adobe 黑体 Std R" panose="020B0400000000000000" pitchFamily="34" charset="-122"/>
+              </a:rPr>
+              <a:t>计算参数</a:t>
+            </a:r>
+            <a:r>
+              <a:rPr lang="en-US" altLang="zh-CN" sz="3200" dirty="0">
+                <a:solidFill>
+                  <a:schemeClr val="bg1"/>
+                </a:solidFill>
+                <a:latin typeface="Adobe 黑体 Std R" panose="020B0400000000000000" pitchFamily="34" charset="-122"/>
+                <a:ea typeface="Adobe 黑体 Std R" panose="020B0400000000000000" pitchFamily="34" charset="-122"/>
+              </a:rPr>
+              <a:t>1</a:t>
+            </a:r>
+          </a:p>
+          <a:p>
+            <a:pPr algn="ctr">
+              <a:lnSpc>
+                <a:spcPct val="150000"/>
+              </a:lnSpc>
+            </a:pPr>
+            <a:r>
+              <a:rPr lang="zh-CN" altLang="en-US" sz="3200" dirty="0">
+                <a:solidFill>
+                  <a:schemeClr val="bg1"/>
+                </a:solidFill>
+                <a:latin typeface="Adobe 黑体 Std R" panose="020B0400000000000000" pitchFamily="34" charset="-122"/>
+                <a:ea typeface="Adobe 黑体 Std R" panose="020B0400000000000000" pitchFamily="34" charset="-122"/>
+              </a:rPr>
+              <a:t>计算参数</a:t>
+            </a:r>
+            <a:r>
+              <a:rPr lang="en-US" altLang="zh-CN" sz="3200" dirty="0">
+                <a:solidFill>
+                  <a:schemeClr val="bg1"/>
+                </a:solidFill>
+                <a:latin typeface="Adobe 黑体 Std R" panose="020B0400000000000000" pitchFamily="34" charset="-122"/>
+                <a:ea typeface="Adobe 黑体 Std R" panose="020B0400000000000000" pitchFamily="34" charset="-122"/>
+              </a:rPr>
+              <a:t>2</a:t>
+            </a:r>
+          </a:p>
+          <a:p>
+            <a:pPr algn="ctr">
+              <a:lnSpc>
+                <a:spcPct val="150000"/>
+              </a:lnSpc>
+            </a:pPr>
+            <a:r>
+              <a:rPr lang="zh-CN" altLang="en-US" sz="3200" dirty="0">
+                <a:solidFill>
+                  <a:schemeClr val="bg1"/>
+                </a:solidFill>
+                <a:latin typeface="Adobe 黑体 Std R" panose="020B0400000000000000" pitchFamily="34" charset="-122"/>
+                <a:ea typeface="Adobe 黑体 Std R" panose="020B0400000000000000" pitchFamily="34" charset="-122"/>
+              </a:rPr>
+              <a:t>计算参数</a:t>
+            </a:r>
+            <a:r>
+              <a:rPr lang="en-US" altLang="zh-CN" sz="3200" dirty="0">
+                <a:solidFill>
+                  <a:schemeClr val="bg1"/>
+                </a:solidFill>
+                <a:latin typeface="Adobe 黑体 Std R" panose="020B0400000000000000" pitchFamily="34" charset="-122"/>
+                <a:ea typeface="Adobe 黑体 Std R" panose="020B0400000000000000" pitchFamily="34" charset="-122"/>
+              </a:rPr>
+              <a:t>3</a:t>
+            </a:r>
+          </a:p>
+          <a:p>
+            <a:pPr algn="ctr">
+              <a:lnSpc>
+                <a:spcPct val="150000"/>
+              </a:lnSpc>
+            </a:pPr>
+            <a:r>
+              <a:rPr lang="zh-CN" altLang="en-US" sz="3200" dirty="0">
+                <a:solidFill>
+                  <a:schemeClr val="bg1"/>
+                </a:solidFill>
+                <a:latin typeface="Adobe 黑体 Std R" panose="020B0400000000000000" pitchFamily="34" charset="-122"/>
+                <a:ea typeface="Adobe 黑体 Std R" panose="020B0400000000000000" pitchFamily="34" charset="-122"/>
+              </a:rPr>
+              <a:t>调整时间</a:t>
+            </a:r>
+            <a:endParaRPr lang="en-US" altLang="zh-CN" sz="3200" dirty="0">
+              <a:solidFill>
+                <a:schemeClr val="bg1"/>
+              </a:solidFill>
+              <a:latin typeface="Adobe 黑体 Std R" panose="020B0400000000000000" pitchFamily="34" charset="-122"/>
+              <a:ea typeface="Adobe 黑体 Std R" panose="020B0400000000000000" pitchFamily="34" charset="-122"/>
+            </a:endParaRPr>
+          </a:p>
+          <a:p>
+            <a:pPr algn="ctr">
+              <a:lnSpc>
+                <a:spcPct val="150000"/>
+              </a:lnSpc>
+            </a:pPr>
+            <a:r>
+              <a:rPr lang="zh-CN" altLang="en-US" sz="3200" dirty="0">
+                <a:solidFill>
+                  <a:schemeClr val="bg1"/>
+                </a:solidFill>
+                <a:latin typeface="Adobe 黑体 Std R" panose="020B0400000000000000" pitchFamily="34" charset="-122"/>
+                <a:ea typeface="Adobe 黑体 Std R" panose="020B0400000000000000" pitchFamily="34" charset="-122"/>
+              </a:rPr>
+              <a:t>刷新间隔</a:t>
+            </a:r>
+            <a:endParaRPr lang="en-US" altLang="zh-CN" sz="3200" dirty="0">
+              <a:solidFill>
+                <a:schemeClr val="bg1"/>
+              </a:solidFill>
+              <a:latin typeface="Adobe 黑体 Std R" panose="020B0400000000000000" pitchFamily="34" charset="-122"/>
+              <a:ea typeface="Adobe 黑体 Std R" panose="020B0400000000000000" pitchFamily="34" charset="-122"/>
+            </a:endParaRPr>
+          </a:p>
+          <a:p>
+            <a:pPr algn="ctr">
+              <a:lnSpc>
+                <a:spcPct val="150000"/>
+              </a:lnSpc>
+            </a:pPr>
+            <a:r>
+              <a:rPr lang="zh-CN" altLang="en-US" sz="3200" dirty="0">
+                <a:solidFill>
+                  <a:schemeClr val="bg1"/>
+                </a:solidFill>
+                <a:latin typeface="Adobe 黑体 Std R" panose="020B0400000000000000" pitchFamily="34" charset="-122"/>
+                <a:ea typeface="Adobe 黑体 Std R" panose="020B0400000000000000" pitchFamily="34" charset="-122"/>
+              </a:rPr>
+              <a:t>节能模式</a:t>
+            </a:r>
+          </a:p>
+        </p:txBody>
+      </p:sp>
+    </p:spTree>
+    <p:extLst>
+      <p:ext uri="{BB962C8B-B14F-4D97-AF65-F5344CB8AC3E}">
+        <p14:creationId xmlns:p14="http://schemas.microsoft.com/office/powerpoint/2010/main" val="3645994449"/>
+      </p:ext>
+    </p:extLst>
+  </p:cSld>
+  <p:clrMapOvr>
+    <a:masterClrMapping/>
+  </p:clrMapOvr>
+</p:sld>
+</file>
+
+<file path=ppt/slides/slide9.xml><?xml version="1.0" encoding="utf-8"?>
+<p:sld xmlns:a="http://schemas.openxmlformats.org/drawingml/2006/main" xmlns:r="http://schemas.openxmlformats.org/officeDocument/2006/relationships" xmlns:p="http://schemas.openxmlformats.org/presentationml/2006/main">
+  <p:cSld>
+    <p:spTree>
+      <p:nvGrpSpPr>
+        <p:cNvPr id="1" name=""/>
+        <p:cNvGrpSpPr/>
+        <p:nvPr/>
+      </p:nvGrpSpPr>
+      <p:grpSpPr>
+        <a:xfrm>
+          <a:off x="0" y="0"/>
+          <a:ext cx="0" cy="0"/>
+          <a:chOff x="0" y="0"/>
+          <a:chExt cx="0" cy="0"/>
+        </a:xfrm>
+      </p:grpSpPr>
+      <p:sp>
+        <p:nvSpPr>
+          <p:cNvPr id="8" name="文本框 7"/>
+          <p:cNvSpPr txBox="1"/>
+          <p:nvPr/>
+        </p:nvSpPr>
+        <p:spPr>
+          <a:xfrm>
+            <a:off x="533368" y="340317"/>
+            <a:ext cx="2730532" cy="769441"/>
+          </a:xfrm>
+          <a:prstGeom prst="rect">
+            <a:avLst/>
+          </a:prstGeom>
+          <a:solidFill>
+            <a:schemeClr val="tx1"/>
+          </a:solidFill>
+        </p:spPr>
+        <p:txBody>
+          <a:bodyPr wrap="square" rtlCol="0">
+            <a:spAutoFit/>
+          </a:bodyPr>
+          <a:lstStyle/>
+          <a:p>
+            <a:r>
+              <a:rPr lang="zh-CN" altLang="en-US" sz="4400" b="1" dirty="0">
+                <a:solidFill>
+                  <a:srgbClr val="FFFF00"/>
+                </a:solidFill>
+                <a:latin typeface="微软雅黑" panose="020B0503020204020204" pitchFamily="34" charset="-122"/>
+                <a:ea typeface="微软雅黑" panose="020B0503020204020204" pitchFamily="34" charset="-122"/>
+              </a:rPr>
+              <a:t>关于系统</a:t>
+            </a:r>
+          </a:p>
+        </p:txBody>
+      </p:sp>
+      <p:sp>
+        <p:nvSpPr>
+          <p:cNvPr id="24" name="文本框 23"/>
+          <p:cNvSpPr txBox="1"/>
+          <p:nvPr/>
+        </p:nvSpPr>
+        <p:spPr>
+          <a:xfrm>
+            <a:off x="6388984" y="4681826"/>
+            <a:ext cx="1855581" cy="698204"/>
+          </a:xfrm>
+          <a:prstGeom prst="rect">
+            <a:avLst/>
+          </a:prstGeom>
+          <a:solidFill>
+            <a:schemeClr val="accent1">
+              <a:lumMod val="60000"/>
+              <a:lumOff val="40000"/>
+            </a:schemeClr>
+          </a:solidFill>
+          <a:ln>
+            <a:solidFill>
+              <a:schemeClr val="bg1"/>
+            </a:solidFill>
+          </a:ln>
+          <a:scene3d>
+            <a:camera prst="orthographicFront"/>
+            <a:lightRig rig="threePt" dir="t"/>
+          </a:scene3d>
+          <a:sp3d>
+            <a:bevelT/>
+          </a:sp3d>
+        </p:spPr>
+        <p:style>
+          <a:lnRef idx="2">
+            <a:schemeClr val="dk1"/>
+          </a:lnRef>
+          <a:fillRef idx="1">
+            <a:schemeClr val="lt1"/>
+          </a:fillRef>
+          <a:effectRef idx="0">
+            <a:schemeClr val="dk1"/>
+          </a:effectRef>
+          <a:fontRef idx="minor">
+            <a:schemeClr val="dk1"/>
+          </a:fontRef>
+        </p:style>
+        <p:txBody>
+          <a:bodyPr wrap="square" rtlCol="0">
+            <a:spAutoFit/>
+          </a:bodyPr>
+          <a:lstStyle/>
+          <a:p>
+            <a:pPr algn="ctr"/>
+            <a:r>
+              <a:rPr lang="zh-CN" altLang="en-US" sz="3937" dirty="0">
+                <a:solidFill>
+                  <a:schemeClr val="tx1"/>
+                </a:solidFill>
+                <a:latin typeface="Adobe 黑体 Std R" panose="020B0400000000000000" pitchFamily="34" charset="-122"/>
+                <a:ea typeface="Adobe 黑体 Std R" panose="020B0400000000000000" pitchFamily="34" charset="-122"/>
+              </a:rPr>
+              <a:t>返回</a:t>
+            </a:r>
+          </a:p>
+        </p:txBody>
+      </p:sp>
+      <p:sp>
+        <p:nvSpPr>
           <p:cNvPr id="2" name="矩形 1"/>
           <p:cNvSpPr/>
           <p:nvPr/>
@@ -8175,9 +8166,7 @@
           </a:prstGeom>
           <a:noFill/>
           <a:ln>
-            <a:solidFill>
-              <a:schemeClr val="tx1"/>
-            </a:solidFill>
+            <a:noFill/>
           </a:ln>
         </p:spPr>
         <p:style>

--- a/HMI/UI.pptx
+++ b/HMI/UI.pptx
@@ -205,7 +205,7 @@
           <a:p>
             <a:fld id="{D98F2826-846A-43C3-8B81-41F412D2E55E}" type="datetimeFigureOut">
               <a:rPr lang="zh-CN" altLang="en-US" smtClean="0"/>
-              <a:t>2016/3/20</a:t>
+              <a:t>2016/3/21</a:t>
             </a:fld>
             <a:endParaRPr lang="zh-CN" altLang="en-US"/>
           </a:p>
@@ -777,7 +777,7 @@
           <a:p>
             <a:fld id="{8B4A0A4B-21F2-4AE1-9B1A-E6A6A0DCD50E}" type="datetimeFigureOut">
               <a:rPr lang="zh-CN" altLang="en-US" smtClean="0"/>
-              <a:t>2016/3/20</a:t>
+              <a:t>2016/3/21</a:t>
             </a:fld>
             <a:endParaRPr lang="zh-CN" altLang="en-US"/>
           </a:p>
@@ -947,7 +947,7 @@
           <a:p>
             <a:fld id="{8B4A0A4B-21F2-4AE1-9B1A-E6A6A0DCD50E}" type="datetimeFigureOut">
               <a:rPr lang="zh-CN" altLang="en-US" smtClean="0"/>
-              <a:t>2016/3/20</a:t>
+              <a:t>2016/3/21</a:t>
             </a:fld>
             <a:endParaRPr lang="zh-CN" altLang="en-US"/>
           </a:p>
@@ -1127,7 +1127,7 @@
           <a:p>
             <a:fld id="{8B4A0A4B-21F2-4AE1-9B1A-E6A6A0DCD50E}" type="datetimeFigureOut">
               <a:rPr lang="zh-CN" altLang="en-US" smtClean="0"/>
-              <a:t>2016/3/20</a:t>
+              <a:t>2016/3/21</a:t>
             </a:fld>
             <a:endParaRPr lang="zh-CN" altLang="en-US"/>
           </a:p>
@@ -1297,7 +1297,7 @@
           <a:p>
             <a:fld id="{8B4A0A4B-21F2-4AE1-9B1A-E6A6A0DCD50E}" type="datetimeFigureOut">
               <a:rPr lang="zh-CN" altLang="en-US" smtClean="0"/>
-              <a:t>2016/3/20</a:t>
+              <a:t>2016/3/21</a:t>
             </a:fld>
             <a:endParaRPr lang="zh-CN" altLang="en-US"/>
           </a:p>
@@ -1541,7 +1541,7 @@
           <a:p>
             <a:fld id="{8B4A0A4B-21F2-4AE1-9B1A-E6A6A0DCD50E}" type="datetimeFigureOut">
               <a:rPr lang="zh-CN" altLang="en-US" smtClean="0"/>
-              <a:t>2016/3/20</a:t>
+              <a:t>2016/3/21</a:t>
             </a:fld>
             <a:endParaRPr lang="zh-CN" altLang="en-US"/>
           </a:p>
@@ -1773,7 +1773,7 @@
           <a:p>
             <a:fld id="{8B4A0A4B-21F2-4AE1-9B1A-E6A6A0DCD50E}" type="datetimeFigureOut">
               <a:rPr lang="zh-CN" altLang="en-US" smtClean="0"/>
-              <a:t>2016/3/20</a:t>
+              <a:t>2016/3/21</a:t>
             </a:fld>
             <a:endParaRPr lang="zh-CN" altLang="en-US"/>
           </a:p>
@@ -2140,7 +2140,7 @@
           <a:p>
             <a:fld id="{8B4A0A4B-21F2-4AE1-9B1A-E6A6A0DCD50E}" type="datetimeFigureOut">
               <a:rPr lang="zh-CN" altLang="en-US" smtClean="0"/>
-              <a:t>2016/3/20</a:t>
+              <a:t>2016/3/21</a:t>
             </a:fld>
             <a:endParaRPr lang="zh-CN" altLang="en-US"/>
           </a:p>
@@ -2258,7 +2258,7 @@
           <a:p>
             <a:fld id="{8B4A0A4B-21F2-4AE1-9B1A-E6A6A0DCD50E}" type="datetimeFigureOut">
               <a:rPr lang="zh-CN" altLang="en-US" smtClean="0"/>
-              <a:t>2016/3/20</a:t>
+              <a:t>2016/3/21</a:t>
             </a:fld>
             <a:endParaRPr lang="zh-CN" altLang="en-US"/>
           </a:p>
@@ -2353,7 +2353,7 @@
           <a:p>
             <a:fld id="{8B4A0A4B-21F2-4AE1-9B1A-E6A6A0DCD50E}" type="datetimeFigureOut">
               <a:rPr lang="zh-CN" altLang="en-US" smtClean="0"/>
-              <a:t>2016/3/20</a:t>
+              <a:t>2016/3/21</a:t>
             </a:fld>
             <a:endParaRPr lang="zh-CN" altLang="en-US"/>
           </a:p>
@@ -2630,7 +2630,7 @@
           <a:p>
             <a:fld id="{8B4A0A4B-21F2-4AE1-9B1A-E6A6A0DCD50E}" type="datetimeFigureOut">
               <a:rPr lang="zh-CN" altLang="en-US" smtClean="0"/>
-              <a:t>2016/3/20</a:t>
+              <a:t>2016/3/21</a:t>
             </a:fld>
             <a:endParaRPr lang="zh-CN" altLang="en-US"/>
           </a:p>
@@ -2887,7 +2887,7 @@
           <a:p>
             <a:fld id="{8B4A0A4B-21F2-4AE1-9B1A-E6A6A0DCD50E}" type="datetimeFigureOut">
               <a:rPr lang="zh-CN" altLang="en-US" smtClean="0"/>
-              <a:t>2016/3/20</a:t>
+              <a:t>2016/3/21</a:t>
             </a:fld>
             <a:endParaRPr lang="zh-CN" altLang="en-US"/>
           </a:p>
@@ -3103,7 +3103,7 @@
           <a:p>
             <a:fld id="{8B4A0A4B-21F2-4AE1-9B1A-E6A6A0DCD50E}" type="datetimeFigureOut">
               <a:rPr lang="zh-CN" altLang="en-US" smtClean="0"/>
-              <a:t>2016/3/20</a:t>
+              <a:t>2016/3/21</a:t>
             </a:fld>
             <a:endParaRPr lang="zh-CN" altLang="en-US"/>
           </a:p>
@@ -5265,71 +5265,6 @@
           <a:chExt cx="0" cy="0"/>
         </a:xfrm>
       </p:grpSpPr>
-      <p:sp>
-        <p:nvSpPr>
-          <p:cNvPr id="31" name="矩形 30"/>
-          <p:cNvSpPr/>
-          <p:nvPr/>
-        </p:nvSpPr>
-        <p:spPr>
-          <a:xfrm>
-            <a:off x="1688248" y="4523257"/>
-            <a:ext cx="1332988" cy="824200"/>
-          </a:xfrm>
-          <a:prstGeom prst="rect">
-            <a:avLst/>
-          </a:prstGeom>
-          <a:solidFill>
-            <a:srgbClr val="00B050"/>
-          </a:solidFill>
-          <a:ln>
-            <a:solidFill>
-              <a:srgbClr val="00B050"/>
-            </a:solidFill>
-          </a:ln>
-          <a:scene3d>
-            <a:camera prst="orthographicFront"/>
-            <a:lightRig rig="threePt" dir="t"/>
-          </a:scene3d>
-          <a:sp3d>
-            <a:bevelT/>
-          </a:sp3d>
-        </p:spPr>
-        <p:style>
-          <a:lnRef idx="2">
-            <a:schemeClr val="accent1">
-              <a:shade val="50000"/>
-            </a:schemeClr>
-          </a:lnRef>
-          <a:fillRef idx="1">
-            <a:schemeClr val="accent1"/>
-          </a:fillRef>
-          <a:effectRef idx="0">
-            <a:schemeClr val="accent1"/>
-          </a:effectRef>
-          <a:fontRef idx="minor">
-            <a:schemeClr val="lt1"/>
-          </a:fontRef>
-        </p:style>
-        <p:txBody>
-          <a:bodyPr rtlCol="0" anchor="ctr"/>
-          <a:lstStyle/>
-          <a:p>
-            <a:pPr algn="ctr"/>
-            <a:r>
-              <a:rPr lang="en-US" altLang="zh-CN" sz="3543" dirty="0">
-                <a:latin typeface="Adobe 黑体 Std R" panose="020B0400000000000000" pitchFamily="34" charset="-122"/>
-                <a:ea typeface="Adobe 黑体 Std R" panose="020B0400000000000000" pitchFamily="34" charset="-122"/>
-              </a:rPr>
-              <a:t>ON</a:t>
-            </a:r>
-            <a:endParaRPr lang="zh-CN" altLang="en-US" sz="3543" dirty="0">
-              <a:latin typeface="Adobe 黑体 Std R" panose="020B0400000000000000" pitchFamily="34" charset="-122"/>
-              <a:ea typeface="Adobe 黑体 Std R" panose="020B0400000000000000" pitchFamily="34" charset="-122"/>
-            </a:endParaRPr>
-          </a:p>
-        </p:txBody>
-      </p:sp>
       <p:grpSp>
         <p:nvGrpSpPr>
           <p:cNvPr id="6" name="组合 5"/>
@@ -5748,52 +5683,6 @@
               </a:rPr>
               <a:t>自动控制</a:t>
             </a:r>
-          </a:p>
-        </p:txBody>
-      </p:sp>
-      <p:sp>
-        <p:nvSpPr>
-          <p:cNvPr id="3" name="圆角矩形 2"/>
-          <p:cNvSpPr/>
-          <p:nvPr/>
-        </p:nvSpPr>
-        <p:spPr>
-          <a:xfrm>
-            <a:off x="1561996" y="4488705"/>
-            <a:ext cx="2918480" cy="858752"/>
-          </a:xfrm>
-          <a:prstGeom prst="roundRect">
-            <a:avLst/>
-          </a:prstGeom>
-          <a:noFill/>
-          <a:ln w="38100">
-            <a:solidFill>
-              <a:schemeClr val="accent1"/>
-            </a:solidFill>
-          </a:ln>
-        </p:spPr>
-        <p:style>
-          <a:lnRef idx="2">
-            <a:schemeClr val="accent1">
-              <a:shade val="50000"/>
-            </a:schemeClr>
-          </a:lnRef>
-          <a:fillRef idx="1">
-            <a:schemeClr val="accent1"/>
-          </a:fillRef>
-          <a:effectRef idx="0">
-            <a:schemeClr val="accent1"/>
-          </a:effectRef>
-          <a:fontRef idx="minor">
-            <a:schemeClr val="lt1"/>
-          </a:fontRef>
-        </p:style>
-        <p:txBody>
-          <a:bodyPr rtlCol="0" anchor="ctr"/>
-          <a:lstStyle/>
-          <a:p>
-            <a:pPr algn="ctr"/>
-            <a:endParaRPr lang="zh-CN" altLang="en-US"/>
           </a:p>
         </p:txBody>
       </p:sp>
@@ -6215,67 +6104,6 @@
       </p:sp>
       <p:sp>
         <p:nvSpPr>
-          <p:cNvPr id="30" name="矩形 29"/>
-          <p:cNvSpPr/>
-          <p:nvPr/>
-        </p:nvSpPr>
-        <p:spPr>
-          <a:xfrm>
-            <a:off x="3021236" y="4523257"/>
-            <a:ext cx="1385776" cy="824200"/>
-          </a:xfrm>
-          <a:prstGeom prst="rect">
-            <a:avLst/>
-          </a:prstGeom>
-          <a:solidFill>
-            <a:srgbClr val="FF0000"/>
-          </a:solidFill>
-          <a:ln>
-            <a:solidFill>
-              <a:srgbClr val="FF0000"/>
-            </a:solidFill>
-          </a:ln>
-          <a:scene3d>
-            <a:camera prst="orthographicFront"/>
-            <a:lightRig rig="threePt" dir="t"/>
-          </a:scene3d>
-          <a:sp3d>
-            <a:bevelT w="152400" h="50800" prst="softRound"/>
-          </a:sp3d>
-        </p:spPr>
-        <p:style>
-          <a:lnRef idx="2">
-            <a:schemeClr val="accent1">
-              <a:shade val="50000"/>
-            </a:schemeClr>
-          </a:lnRef>
-          <a:fillRef idx="1">
-            <a:schemeClr val="accent1"/>
-          </a:fillRef>
-          <a:effectRef idx="0">
-            <a:schemeClr val="accent1"/>
-          </a:effectRef>
-          <a:fontRef idx="minor">
-            <a:schemeClr val="lt1"/>
-          </a:fontRef>
-        </p:style>
-        <p:txBody>
-          <a:bodyPr rtlCol="0" anchor="ctr"/>
-          <a:lstStyle/>
-          <a:p>
-            <a:pPr algn="ctr"/>
-            <a:r>
-              <a:rPr lang="en-US" altLang="zh-CN" sz="3543" dirty="0">
-                <a:latin typeface="Adobe 黑体 Std R" panose="020B0400000000000000" pitchFamily="34" charset="-122"/>
-                <a:ea typeface="Adobe 黑体 Std R" panose="020B0400000000000000" pitchFamily="34" charset="-122"/>
-              </a:rPr>
-              <a:t>OFF</a:t>
-            </a:r>
-          </a:p>
-        </p:txBody>
-      </p:sp>
-      <p:sp>
-        <p:nvSpPr>
           <p:cNvPr id="2" name="文本框 1"/>
           <p:cNvSpPr txBox="1"/>
           <p:nvPr/>
@@ -6306,52 +6134,6 @@
               </a:rPr>
               <a:t>自动控制</a:t>
             </a:r>
-          </a:p>
-        </p:txBody>
-      </p:sp>
-      <p:sp>
-        <p:nvSpPr>
-          <p:cNvPr id="3" name="圆角矩形 2"/>
-          <p:cNvSpPr/>
-          <p:nvPr/>
-        </p:nvSpPr>
-        <p:spPr>
-          <a:xfrm>
-            <a:off x="1561996" y="4488705"/>
-            <a:ext cx="2918480" cy="858752"/>
-          </a:xfrm>
-          <a:prstGeom prst="roundRect">
-            <a:avLst/>
-          </a:prstGeom>
-          <a:noFill/>
-          <a:ln w="38100">
-            <a:solidFill>
-              <a:schemeClr val="accent1"/>
-            </a:solidFill>
-          </a:ln>
-        </p:spPr>
-        <p:style>
-          <a:lnRef idx="2">
-            <a:schemeClr val="accent1">
-              <a:shade val="50000"/>
-            </a:schemeClr>
-          </a:lnRef>
-          <a:fillRef idx="1">
-            <a:schemeClr val="accent1"/>
-          </a:fillRef>
-          <a:effectRef idx="0">
-            <a:schemeClr val="accent1"/>
-          </a:effectRef>
-          <a:fontRef idx="minor">
-            <a:schemeClr val="lt1"/>
-          </a:fontRef>
-        </p:style>
-        <p:txBody>
-          <a:bodyPr rtlCol="0" anchor="ctr"/>
-          <a:lstStyle/>
-          <a:p>
-            <a:pPr algn="ctr"/>
-            <a:endParaRPr lang="zh-CN" altLang="en-US"/>
           </a:p>
         </p:txBody>
       </p:sp>
@@ -6674,258 +6456,6 @@
           </a:p>
         </p:txBody>
       </p:sp>
-      <p:grpSp>
-        <p:nvGrpSpPr>
-          <p:cNvPr id="2" name="组合 1"/>
-          <p:cNvGrpSpPr/>
-          <p:nvPr/>
-        </p:nvGrpSpPr>
-        <p:grpSpPr>
-          <a:xfrm>
-            <a:off x="3469444" y="2059000"/>
-            <a:ext cx="1897209" cy="603995"/>
-            <a:chOff x="1561996" y="4488705"/>
-            <a:chExt cx="2918480" cy="858752"/>
-          </a:xfrm>
-        </p:grpSpPr>
-        <p:sp>
-          <p:nvSpPr>
-            <p:cNvPr id="40" name="矩形 39"/>
-            <p:cNvSpPr/>
-            <p:nvPr/>
-          </p:nvSpPr>
-          <p:spPr>
-            <a:xfrm>
-              <a:off x="1688248" y="4523257"/>
-              <a:ext cx="1332988" cy="824200"/>
-            </a:xfrm>
-            <a:prstGeom prst="rect">
-              <a:avLst/>
-            </a:prstGeom>
-            <a:solidFill>
-              <a:srgbClr val="00B050"/>
-            </a:solidFill>
-            <a:ln>
-              <a:solidFill>
-                <a:srgbClr val="00B050"/>
-              </a:solidFill>
-            </a:ln>
-            <a:scene3d>
-              <a:camera prst="orthographicFront"/>
-              <a:lightRig rig="threePt" dir="t"/>
-            </a:scene3d>
-            <a:sp3d>
-              <a:bevelT/>
-            </a:sp3d>
-          </p:spPr>
-          <p:style>
-            <a:lnRef idx="2">
-              <a:schemeClr val="accent1">
-                <a:shade val="50000"/>
-              </a:schemeClr>
-            </a:lnRef>
-            <a:fillRef idx="1">
-              <a:schemeClr val="accent1"/>
-            </a:fillRef>
-            <a:effectRef idx="0">
-              <a:schemeClr val="accent1"/>
-            </a:effectRef>
-            <a:fontRef idx="minor">
-              <a:schemeClr val="lt1"/>
-            </a:fontRef>
-          </p:style>
-          <p:txBody>
-            <a:bodyPr rtlCol="0" anchor="ctr"/>
-            <a:lstStyle/>
-            <a:p>
-              <a:pPr algn="ctr"/>
-              <a:r>
-                <a:rPr lang="en-US" altLang="zh-CN" sz="3543" dirty="0">
-                  <a:latin typeface="Adobe 黑体 Std R" panose="020B0400000000000000" pitchFamily="34" charset="-122"/>
-                  <a:ea typeface="Adobe 黑体 Std R" panose="020B0400000000000000" pitchFamily="34" charset="-122"/>
-                </a:rPr>
-                <a:t>ON</a:t>
-              </a:r>
-              <a:endParaRPr lang="zh-CN" altLang="en-US" sz="3543" dirty="0">
-                <a:latin typeface="Adobe 黑体 Std R" panose="020B0400000000000000" pitchFamily="34" charset="-122"/>
-                <a:ea typeface="Adobe 黑体 Std R" panose="020B0400000000000000" pitchFamily="34" charset="-122"/>
-              </a:endParaRPr>
-            </a:p>
-          </p:txBody>
-        </p:sp>
-        <p:sp>
-          <p:nvSpPr>
-            <p:cNvPr id="41" name="圆角矩形 40"/>
-            <p:cNvSpPr/>
-            <p:nvPr/>
-          </p:nvSpPr>
-          <p:spPr>
-            <a:xfrm>
-              <a:off x="1561996" y="4488705"/>
-              <a:ext cx="2918480" cy="858752"/>
-            </a:xfrm>
-            <a:prstGeom prst="roundRect">
-              <a:avLst/>
-            </a:prstGeom>
-            <a:noFill/>
-            <a:ln w="38100">
-              <a:solidFill>
-                <a:schemeClr val="accent1"/>
-              </a:solidFill>
-            </a:ln>
-          </p:spPr>
-          <p:style>
-            <a:lnRef idx="2">
-              <a:schemeClr val="accent1">
-                <a:shade val="50000"/>
-              </a:schemeClr>
-            </a:lnRef>
-            <a:fillRef idx="1">
-              <a:schemeClr val="accent1"/>
-            </a:fillRef>
-            <a:effectRef idx="0">
-              <a:schemeClr val="accent1"/>
-            </a:effectRef>
-            <a:fontRef idx="minor">
-              <a:schemeClr val="lt1"/>
-            </a:fontRef>
-          </p:style>
-          <p:txBody>
-            <a:bodyPr rtlCol="0" anchor="ctr"/>
-            <a:lstStyle/>
-            <a:p>
-              <a:pPr algn="ctr"/>
-              <a:endParaRPr lang="zh-CN" altLang="en-US"/>
-            </a:p>
-          </p:txBody>
-        </p:sp>
-      </p:grpSp>
-      <p:grpSp>
-        <p:nvGrpSpPr>
-          <p:cNvPr id="42" name="组合 41"/>
-          <p:cNvGrpSpPr/>
-          <p:nvPr/>
-        </p:nvGrpSpPr>
-        <p:grpSpPr>
-          <a:xfrm>
-            <a:off x="3469444" y="3277150"/>
-            <a:ext cx="1897209" cy="603995"/>
-            <a:chOff x="1561996" y="4488705"/>
-            <a:chExt cx="2918480" cy="858752"/>
-          </a:xfrm>
-        </p:grpSpPr>
-        <p:sp>
-          <p:nvSpPr>
-            <p:cNvPr id="43" name="矩形 42"/>
-            <p:cNvSpPr/>
-            <p:nvPr/>
-          </p:nvSpPr>
-          <p:spPr>
-            <a:xfrm>
-              <a:off x="1688248" y="4523257"/>
-              <a:ext cx="1332988" cy="824200"/>
-            </a:xfrm>
-            <a:prstGeom prst="rect">
-              <a:avLst/>
-            </a:prstGeom>
-            <a:solidFill>
-              <a:srgbClr val="00B050"/>
-            </a:solidFill>
-            <a:ln>
-              <a:solidFill>
-                <a:srgbClr val="00B050"/>
-              </a:solidFill>
-            </a:ln>
-            <a:scene3d>
-              <a:camera prst="orthographicFront"/>
-              <a:lightRig rig="threePt" dir="t"/>
-            </a:scene3d>
-            <a:sp3d>
-              <a:bevelT/>
-            </a:sp3d>
-          </p:spPr>
-          <p:style>
-            <a:lnRef idx="2">
-              <a:schemeClr val="accent1">
-                <a:shade val="50000"/>
-              </a:schemeClr>
-            </a:lnRef>
-            <a:fillRef idx="1">
-              <a:schemeClr val="accent1"/>
-            </a:fillRef>
-            <a:effectRef idx="0">
-              <a:schemeClr val="accent1"/>
-            </a:effectRef>
-            <a:fontRef idx="minor">
-              <a:schemeClr val="lt1"/>
-            </a:fontRef>
-          </p:style>
-          <p:txBody>
-            <a:bodyPr rtlCol="0" anchor="ctr"/>
-            <a:lstStyle/>
-            <a:p>
-              <a:pPr algn="ctr"/>
-              <a:r>
-                <a:rPr lang="en-US" altLang="zh-CN" sz="3543" dirty="0">
-                  <a:latin typeface="Adobe 黑体 Std R" panose="020B0400000000000000" pitchFamily="34" charset="-122"/>
-                  <a:ea typeface="Adobe 黑体 Std R" panose="020B0400000000000000" pitchFamily="34" charset="-122"/>
-                </a:rPr>
-                <a:t>ON</a:t>
-              </a:r>
-              <a:endParaRPr lang="zh-CN" altLang="en-US" sz="3543" dirty="0">
-                <a:latin typeface="Adobe 黑体 Std R" panose="020B0400000000000000" pitchFamily="34" charset="-122"/>
-                <a:ea typeface="Adobe 黑体 Std R" panose="020B0400000000000000" pitchFamily="34" charset="-122"/>
-              </a:endParaRPr>
-            </a:p>
-          </p:txBody>
-        </p:sp>
-        <p:sp>
-          <p:nvSpPr>
-            <p:cNvPr id="44" name="圆角矩形 43"/>
-            <p:cNvSpPr/>
-            <p:nvPr/>
-          </p:nvSpPr>
-          <p:spPr>
-            <a:xfrm>
-              <a:off x="1561996" y="4488705"/>
-              <a:ext cx="2918480" cy="858752"/>
-            </a:xfrm>
-            <a:prstGeom prst="roundRect">
-              <a:avLst/>
-            </a:prstGeom>
-            <a:noFill/>
-            <a:ln w="38100">
-              <a:solidFill>
-                <a:schemeClr val="accent1"/>
-              </a:solidFill>
-            </a:ln>
-          </p:spPr>
-          <p:style>
-            <a:lnRef idx="2">
-              <a:schemeClr val="accent1">
-                <a:shade val="50000"/>
-              </a:schemeClr>
-            </a:lnRef>
-            <a:fillRef idx="1">
-              <a:schemeClr val="accent1"/>
-            </a:fillRef>
-            <a:effectRef idx="0">
-              <a:schemeClr val="accent1"/>
-            </a:effectRef>
-            <a:fontRef idx="minor">
-              <a:schemeClr val="lt1"/>
-            </a:fontRef>
-          </p:style>
-          <p:txBody>
-            <a:bodyPr rtlCol="0" anchor="ctr"/>
-            <a:lstStyle/>
-            <a:p>
-              <a:pPr algn="ctr"/>
-              <a:endParaRPr lang="zh-CN" altLang="en-US"/>
-            </a:p>
-          </p:txBody>
-        </p:sp>
-      </p:grpSp>
       <p:sp>
         <p:nvSpPr>
           <p:cNvPr id="15" name="矩形 14"/>
@@ -7375,98 +6905,6 @@
       </p:sp>
       <p:sp>
         <p:nvSpPr>
-          <p:cNvPr id="41" name="圆角矩形 40"/>
-          <p:cNvSpPr/>
-          <p:nvPr/>
-        </p:nvSpPr>
-        <p:spPr>
-          <a:xfrm>
-            <a:off x="3469444" y="2059000"/>
-            <a:ext cx="1897209" cy="603995"/>
-          </a:xfrm>
-          <a:prstGeom prst="roundRect">
-            <a:avLst/>
-          </a:prstGeom>
-          <a:noFill/>
-          <a:ln w="38100">
-            <a:solidFill>
-              <a:schemeClr val="accent1"/>
-            </a:solidFill>
-          </a:ln>
-        </p:spPr>
-        <p:style>
-          <a:lnRef idx="2">
-            <a:schemeClr val="accent1">
-              <a:shade val="50000"/>
-            </a:schemeClr>
-          </a:lnRef>
-          <a:fillRef idx="1">
-            <a:schemeClr val="accent1"/>
-          </a:fillRef>
-          <a:effectRef idx="0">
-            <a:schemeClr val="accent1"/>
-          </a:effectRef>
-          <a:fontRef idx="minor">
-            <a:schemeClr val="lt1"/>
-          </a:fontRef>
-        </p:style>
-        <p:txBody>
-          <a:bodyPr rtlCol="0" anchor="ctr"/>
-          <a:lstStyle/>
-          <a:p>
-            <a:pPr algn="ctr"/>
-            <a:endParaRPr lang="zh-CN" altLang="en-US"/>
-          </a:p>
-        </p:txBody>
-      </p:sp>
-      <p:sp>
-        <p:nvSpPr>
-          <p:cNvPr id="44" name="圆角矩形 43"/>
-          <p:cNvSpPr/>
-          <p:nvPr/>
-        </p:nvSpPr>
-        <p:spPr>
-          <a:xfrm>
-            <a:off x="3469444" y="3277150"/>
-            <a:ext cx="1897209" cy="603995"/>
-          </a:xfrm>
-          <a:prstGeom prst="roundRect">
-            <a:avLst/>
-          </a:prstGeom>
-          <a:noFill/>
-          <a:ln w="38100">
-            <a:solidFill>
-              <a:schemeClr val="accent1"/>
-            </a:solidFill>
-          </a:ln>
-        </p:spPr>
-        <p:style>
-          <a:lnRef idx="2">
-            <a:schemeClr val="accent1">
-              <a:shade val="50000"/>
-            </a:schemeClr>
-          </a:lnRef>
-          <a:fillRef idx="1">
-            <a:schemeClr val="accent1"/>
-          </a:fillRef>
-          <a:effectRef idx="0">
-            <a:schemeClr val="accent1"/>
-          </a:effectRef>
-          <a:fontRef idx="minor">
-            <a:schemeClr val="lt1"/>
-          </a:fontRef>
-        </p:style>
-        <p:txBody>
-          <a:bodyPr rtlCol="0" anchor="ctr"/>
-          <a:lstStyle/>
-          <a:p>
-            <a:pPr algn="ctr"/>
-            <a:endParaRPr lang="zh-CN" altLang="en-US"/>
-          </a:p>
-        </p:txBody>
-      </p:sp>
-      <p:sp>
-        <p:nvSpPr>
           <p:cNvPr id="15" name="矩形 14"/>
           <p:cNvSpPr/>
           <p:nvPr/>
@@ -7589,128 +7027,6 @@
                 <a:ea typeface="Adobe 黑体 Std R" panose="020B0400000000000000" pitchFamily="34" charset="-122"/>
               </a:rPr>
               <a:t>关于</a:t>
-            </a:r>
-          </a:p>
-        </p:txBody>
-      </p:sp>
-      <p:sp>
-        <p:nvSpPr>
-          <p:cNvPr id="17" name="矩形 16"/>
-          <p:cNvSpPr/>
-          <p:nvPr/>
-        </p:nvSpPr>
-        <p:spPr>
-          <a:xfrm>
-            <a:off x="4439653" y="2105255"/>
-            <a:ext cx="830179" cy="523578"/>
-          </a:xfrm>
-          <a:prstGeom prst="rect">
-            <a:avLst/>
-          </a:prstGeom>
-          <a:solidFill>
-            <a:srgbClr val="FF0000"/>
-          </a:solidFill>
-          <a:ln>
-            <a:solidFill>
-              <a:srgbClr val="FF0000"/>
-            </a:solidFill>
-          </a:ln>
-          <a:scene3d>
-            <a:camera prst="orthographicFront"/>
-            <a:lightRig rig="threePt" dir="t"/>
-          </a:scene3d>
-          <a:sp3d>
-            <a:bevelT/>
-          </a:sp3d>
-        </p:spPr>
-        <p:style>
-          <a:lnRef idx="2">
-            <a:schemeClr val="accent1">
-              <a:shade val="50000"/>
-            </a:schemeClr>
-          </a:lnRef>
-          <a:fillRef idx="1">
-            <a:schemeClr val="accent1"/>
-          </a:fillRef>
-          <a:effectRef idx="0">
-            <a:schemeClr val="accent1"/>
-          </a:effectRef>
-          <a:fontRef idx="minor">
-            <a:schemeClr val="lt1"/>
-          </a:fontRef>
-        </p:style>
-        <p:txBody>
-          <a:bodyPr rtlCol="0" anchor="ctr"/>
-          <a:lstStyle/>
-          <a:p>
-            <a:pPr algn="ctr"/>
-            <a:r>
-              <a:rPr lang="en-US" altLang="zh-CN" sz="2400" dirty="0">
-                <a:latin typeface="Adobe 黑体 Std R" panose="020B0400000000000000" pitchFamily="34" charset="-122"/>
-                <a:ea typeface="Adobe 黑体 Std R" panose="020B0400000000000000" pitchFamily="34" charset="-122"/>
-              </a:rPr>
-              <a:t>OFF</a:t>
-            </a:r>
-          </a:p>
-        </p:txBody>
-      </p:sp>
-      <p:sp>
-        <p:nvSpPr>
-          <p:cNvPr id="18" name="矩形 17"/>
-          <p:cNvSpPr/>
-          <p:nvPr/>
-        </p:nvSpPr>
-        <p:spPr>
-          <a:xfrm>
-            <a:off x="4435643" y="3328466"/>
-            <a:ext cx="830179" cy="523578"/>
-          </a:xfrm>
-          <a:prstGeom prst="rect">
-            <a:avLst/>
-          </a:prstGeom>
-          <a:solidFill>
-            <a:srgbClr val="FF0000"/>
-          </a:solidFill>
-          <a:ln>
-            <a:solidFill>
-              <a:srgbClr val="FF0000"/>
-            </a:solidFill>
-          </a:ln>
-          <a:scene3d>
-            <a:camera prst="orthographicFront"/>
-            <a:lightRig rig="threePt" dir="t"/>
-          </a:scene3d>
-          <a:sp3d>
-            <a:bevelT/>
-          </a:sp3d>
-        </p:spPr>
-        <p:style>
-          <a:lnRef idx="2">
-            <a:schemeClr val="accent1">
-              <a:shade val="50000"/>
-            </a:schemeClr>
-          </a:lnRef>
-          <a:fillRef idx="1">
-            <a:schemeClr val="accent1"/>
-          </a:fillRef>
-          <a:effectRef idx="0">
-            <a:schemeClr val="accent1"/>
-          </a:effectRef>
-          <a:fontRef idx="minor">
-            <a:schemeClr val="lt1"/>
-          </a:fontRef>
-        </p:style>
-        <p:txBody>
-          <a:bodyPr rtlCol="0" anchor="ctr"/>
-          <a:lstStyle/>
-          <a:p>
-            <a:pPr algn="ctr"/>
-            <a:r>
-              <a:rPr lang="en-US" altLang="zh-CN" sz="2400" dirty="0">
-                <a:latin typeface="Adobe 黑体 Std R" panose="020B0400000000000000" pitchFamily="34" charset="-122"/>
-                <a:ea typeface="Adobe 黑体 Std R" panose="020B0400000000000000" pitchFamily="34" charset="-122"/>
-              </a:rPr>
-              <a:t>OFF</a:t>
             </a:r>
           </a:p>
         </p:txBody>

--- a/HMI/UI.pptx
+++ b/HMI/UI.pptx
@@ -11,8 +11,8 @@
     <p:sldId id="276" r:id="rId2"/>
     <p:sldId id="270" r:id="rId3"/>
     <p:sldId id="271" r:id="rId4"/>
-    <p:sldId id="272" r:id="rId5"/>
-    <p:sldId id="274" r:id="rId6"/>
+    <p:sldId id="277" r:id="rId5"/>
+    <p:sldId id="278" r:id="rId6"/>
     <p:sldId id="273" r:id="rId7"/>
     <p:sldId id="275" r:id="rId8"/>
     <p:sldId id="264" r:id="rId9"/>
@@ -205,7 +205,7 @@
           <a:p>
             <a:fld id="{D98F2826-846A-43C3-8B81-41F412D2E55E}" type="datetimeFigureOut">
               <a:rPr lang="zh-CN" altLang="en-US" smtClean="0"/>
-              <a:t>2016/3/21</a:t>
+              <a:t>2016/3/25</a:t>
             </a:fld>
             <a:endParaRPr lang="zh-CN" altLang="en-US"/>
           </a:p>
@@ -777,7 +777,7 @@
           <a:p>
             <a:fld id="{8B4A0A4B-21F2-4AE1-9B1A-E6A6A0DCD50E}" type="datetimeFigureOut">
               <a:rPr lang="zh-CN" altLang="en-US" smtClean="0"/>
-              <a:t>2016/3/21</a:t>
+              <a:t>2016/3/25</a:t>
             </a:fld>
             <a:endParaRPr lang="zh-CN" altLang="en-US"/>
           </a:p>
@@ -947,7 +947,7 @@
           <a:p>
             <a:fld id="{8B4A0A4B-21F2-4AE1-9B1A-E6A6A0DCD50E}" type="datetimeFigureOut">
               <a:rPr lang="zh-CN" altLang="en-US" smtClean="0"/>
-              <a:t>2016/3/21</a:t>
+              <a:t>2016/3/25</a:t>
             </a:fld>
             <a:endParaRPr lang="zh-CN" altLang="en-US"/>
           </a:p>
@@ -1127,7 +1127,7 @@
           <a:p>
             <a:fld id="{8B4A0A4B-21F2-4AE1-9B1A-E6A6A0DCD50E}" type="datetimeFigureOut">
               <a:rPr lang="zh-CN" altLang="en-US" smtClean="0"/>
-              <a:t>2016/3/21</a:t>
+              <a:t>2016/3/25</a:t>
             </a:fld>
             <a:endParaRPr lang="zh-CN" altLang="en-US"/>
           </a:p>
@@ -1297,7 +1297,7 @@
           <a:p>
             <a:fld id="{8B4A0A4B-21F2-4AE1-9B1A-E6A6A0DCD50E}" type="datetimeFigureOut">
               <a:rPr lang="zh-CN" altLang="en-US" smtClean="0"/>
-              <a:t>2016/3/21</a:t>
+              <a:t>2016/3/25</a:t>
             </a:fld>
             <a:endParaRPr lang="zh-CN" altLang="en-US"/>
           </a:p>
@@ -1541,7 +1541,7 @@
           <a:p>
             <a:fld id="{8B4A0A4B-21F2-4AE1-9B1A-E6A6A0DCD50E}" type="datetimeFigureOut">
               <a:rPr lang="zh-CN" altLang="en-US" smtClean="0"/>
-              <a:t>2016/3/21</a:t>
+              <a:t>2016/3/25</a:t>
             </a:fld>
             <a:endParaRPr lang="zh-CN" altLang="en-US"/>
           </a:p>
@@ -1773,7 +1773,7 @@
           <a:p>
             <a:fld id="{8B4A0A4B-21F2-4AE1-9B1A-E6A6A0DCD50E}" type="datetimeFigureOut">
               <a:rPr lang="zh-CN" altLang="en-US" smtClean="0"/>
-              <a:t>2016/3/21</a:t>
+              <a:t>2016/3/25</a:t>
             </a:fld>
             <a:endParaRPr lang="zh-CN" altLang="en-US"/>
           </a:p>
@@ -2140,7 +2140,7 @@
           <a:p>
             <a:fld id="{8B4A0A4B-21F2-4AE1-9B1A-E6A6A0DCD50E}" type="datetimeFigureOut">
               <a:rPr lang="zh-CN" altLang="en-US" smtClean="0"/>
-              <a:t>2016/3/21</a:t>
+              <a:t>2016/3/25</a:t>
             </a:fld>
             <a:endParaRPr lang="zh-CN" altLang="en-US"/>
           </a:p>
@@ -2258,7 +2258,7 @@
           <a:p>
             <a:fld id="{8B4A0A4B-21F2-4AE1-9B1A-E6A6A0DCD50E}" type="datetimeFigureOut">
               <a:rPr lang="zh-CN" altLang="en-US" smtClean="0"/>
-              <a:t>2016/3/21</a:t>
+              <a:t>2016/3/25</a:t>
             </a:fld>
             <a:endParaRPr lang="zh-CN" altLang="en-US"/>
           </a:p>
@@ -2353,7 +2353,7 @@
           <a:p>
             <a:fld id="{8B4A0A4B-21F2-4AE1-9B1A-E6A6A0DCD50E}" type="datetimeFigureOut">
               <a:rPr lang="zh-CN" altLang="en-US" smtClean="0"/>
-              <a:t>2016/3/21</a:t>
+              <a:t>2016/3/25</a:t>
             </a:fld>
             <a:endParaRPr lang="zh-CN" altLang="en-US"/>
           </a:p>
@@ -2630,7 +2630,7 @@
           <a:p>
             <a:fld id="{8B4A0A4B-21F2-4AE1-9B1A-E6A6A0DCD50E}" type="datetimeFigureOut">
               <a:rPr lang="zh-CN" altLang="en-US" smtClean="0"/>
-              <a:t>2016/3/21</a:t>
+              <a:t>2016/3/25</a:t>
             </a:fld>
             <a:endParaRPr lang="zh-CN" altLang="en-US"/>
           </a:p>
@@ -2887,7 +2887,7 @@
           <a:p>
             <a:fld id="{8B4A0A4B-21F2-4AE1-9B1A-E6A6A0DCD50E}" type="datetimeFigureOut">
               <a:rPr lang="zh-CN" altLang="en-US" smtClean="0"/>
-              <a:t>2016/3/21</a:t>
+              <a:t>2016/3/25</a:t>
             </a:fld>
             <a:endParaRPr lang="zh-CN" altLang="en-US"/>
           </a:p>
@@ -3103,7 +3103,7 @@
           <a:p>
             <a:fld id="{8B4A0A4B-21F2-4AE1-9B1A-E6A6A0DCD50E}" type="datetimeFigureOut">
               <a:rPr lang="zh-CN" altLang="en-US" smtClean="0"/>
-              <a:t>2016/3/21</a:t>
+              <a:t>2016/3/25</a:t>
             </a:fld>
             <a:endParaRPr lang="zh-CN" altLang="en-US"/>
           </a:p>
@@ -5041,7 +5041,7 @@
         </p:nvSpPr>
         <p:spPr>
           <a:xfrm>
-            <a:off x="312820" y="-55603"/>
+            <a:off x="168441" y="0"/>
             <a:ext cx="4318000" cy="5909310"/>
           </a:xfrm>
           <a:prstGeom prst="rect">
@@ -5067,7 +5067,7 @@
                 <a:latin typeface="微软雅黑 Light" panose="020B0502040204020203" pitchFamily="34" charset="-122"/>
                 <a:ea typeface="微软雅黑 Light" panose="020B0502040204020203" pitchFamily="34" charset="-122"/>
               </a:rPr>
-              <a:t>舒适指数</a:t>
+              <a:t>含湿量</a:t>
             </a:r>
             <a:r>
               <a:rPr lang="en-US" altLang="zh-CN" sz="3600" b="1" dirty="0">
@@ -5077,15 +5077,8 @@
                 <a:latin typeface="微软雅黑 Light" panose="020B0502040204020203" pitchFamily="34" charset="-122"/>
                 <a:ea typeface="微软雅黑 Light" panose="020B0502040204020203" pitchFamily="34" charset="-122"/>
               </a:rPr>
-              <a:t>		</a:t>
-            </a:r>
-          </a:p>
-          <a:p>
-            <a:pPr>
-              <a:lnSpc>
-                <a:spcPct val="150000"/>
-              </a:lnSpc>
-            </a:pPr>
+              <a:t>(</a:t>
+            </a:r>
             <a:r>
               <a:rPr lang="zh-CN" altLang="en-US" sz="3600" b="1" dirty="0">
                 <a:solidFill>
@@ -5094,7 +5087,54 @@
                 <a:latin typeface="微软雅黑 Light" panose="020B0502040204020203" pitchFamily="34" charset="-122"/>
                 <a:ea typeface="微软雅黑 Light" panose="020B0502040204020203" pitchFamily="34" charset="-122"/>
               </a:rPr>
-              <a:t>室外温度</a:t>
+              <a:t>内</a:t>
+            </a:r>
+            <a:r>
+              <a:rPr lang="en-US" altLang="zh-CN" sz="3600" b="1" dirty="0">
+                <a:solidFill>
+                  <a:srgbClr val="00B0F0"/>
+                </a:solidFill>
+                <a:latin typeface="微软雅黑 Light" panose="020B0502040204020203" pitchFamily="34" charset="-122"/>
+                <a:ea typeface="微软雅黑 Light" panose="020B0502040204020203" pitchFamily="34" charset="-122"/>
+              </a:rPr>
+              <a:t>/</a:t>
+            </a:r>
+            <a:r>
+              <a:rPr lang="zh-CN" altLang="en-US" sz="3600" b="1" dirty="0">
+                <a:solidFill>
+                  <a:srgbClr val="00B0F0"/>
+                </a:solidFill>
+                <a:latin typeface="微软雅黑 Light" panose="020B0502040204020203" pitchFamily="34" charset="-122"/>
+                <a:ea typeface="微软雅黑 Light" panose="020B0502040204020203" pitchFamily="34" charset="-122"/>
+              </a:rPr>
+              <a:t>外</a:t>
+            </a:r>
+            <a:r>
+              <a:rPr lang="en-US" altLang="zh-CN" sz="3600" b="1" dirty="0">
+                <a:solidFill>
+                  <a:srgbClr val="00B0F0"/>
+                </a:solidFill>
+                <a:latin typeface="微软雅黑 Light" panose="020B0502040204020203" pitchFamily="34" charset="-122"/>
+                <a:ea typeface="微软雅黑 Light" panose="020B0502040204020203" pitchFamily="34" charset="-122"/>
+              </a:rPr>
+              <a:t>)		</a:t>
+            </a:r>
+          </a:p>
+          <a:p>
+            <a:pPr>
+              <a:lnSpc>
+                <a:spcPct val="150000"/>
+              </a:lnSpc>
+            </a:pPr>
+            <a:r>
+              <a:rPr lang="zh-CN" altLang="en-US" sz="3600" b="1" dirty="0">
+                <a:solidFill>
+                  <a:srgbClr val="00B0F0"/>
+                </a:solidFill>
+                <a:latin typeface="微软雅黑 Light" panose="020B0502040204020203" pitchFamily="34" charset="-122"/>
+                <a:ea typeface="微软雅黑 Light" panose="020B0502040204020203" pitchFamily="34" charset="-122"/>
+              </a:rPr>
+              <a:t> 饱和蒸气压</a:t>
             </a:r>
             <a:endParaRPr lang="en-US" altLang="zh-CN" sz="3600" b="1" dirty="0">
               <a:solidFill>
@@ -5118,7 +5158,7 @@
                 <a:latin typeface="微软雅黑 Light" panose="020B0502040204020203" pitchFamily="34" charset="-122"/>
                 <a:ea typeface="微软雅黑 Light" panose="020B0502040204020203" pitchFamily="34" charset="-122"/>
               </a:rPr>
-              <a:t>相对湿度</a:t>
+              <a:t> 水蒸气分压</a:t>
             </a:r>
             <a:endParaRPr lang="en-US" altLang="zh-CN" sz="3600" b="1" dirty="0">
               <a:solidFill>
@@ -5142,7 +5182,7 @@
                 <a:latin typeface="微软雅黑 Light" panose="020B0502040204020203" pitchFamily="34" charset="-122"/>
                 <a:ea typeface="微软雅黑 Light" panose="020B0502040204020203" pitchFamily="34" charset="-122"/>
               </a:rPr>
-              <a:t>空气质量</a:t>
+              <a:t>  空气质量</a:t>
             </a:r>
             <a:endParaRPr lang="en-US" altLang="zh-CN" sz="3600" b="1" dirty="0">
               <a:solidFill>
@@ -5166,7 +5206,7 @@
                 <a:latin typeface="微软雅黑 Light" panose="020B0502040204020203" pitchFamily="34" charset="-122"/>
                 <a:ea typeface="微软雅黑 Light" panose="020B0502040204020203" pitchFamily="34" charset="-122"/>
               </a:rPr>
-              <a:t>是否下雨</a:t>
+              <a:t>  是否下雨</a:t>
             </a:r>
             <a:r>
               <a:rPr lang="en-US" altLang="zh-CN" sz="3600" b="1" dirty="0">
@@ -5193,7 +5233,7 @@
                 <a:latin typeface="微软雅黑 Light" panose="020B0502040204020203" pitchFamily="34" charset="-122"/>
                 <a:ea typeface="微软雅黑 Light" panose="020B0502040204020203" pitchFamily="34" charset="-122"/>
               </a:rPr>
-              <a:t>推荐状态</a:t>
+              <a:t>  推荐状态</a:t>
             </a:r>
             <a:r>
               <a:rPr lang="en-US" altLang="zh-CN" sz="3600" b="1" dirty="0">
@@ -5220,7 +5260,7 @@
                 <a:latin typeface="微软雅黑 Light" panose="020B0502040204020203" pitchFamily="34" charset="-122"/>
                 <a:ea typeface="微软雅黑 Light" panose="020B0502040204020203" pitchFamily="34" charset="-122"/>
               </a:rPr>
-              <a:t>窗户状态</a:t>
+              <a:t>  窗户状态</a:t>
             </a:r>
             <a:r>
               <a:rPr lang="en-US" altLang="zh-CN" sz="3600" b="1" dirty="0">
@@ -5267,7 +5307,7 @@
       </p:grpSpPr>
       <p:grpSp>
         <p:nvGrpSpPr>
-          <p:cNvPr id="6" name="组合 5"/>
+          <p:cNvPr id="4" name="组合 3"/>
           <p:cNvGrpSpPr/>
           <p:nvPr/>
         </p:nvGrpSpPr>
@@ -5537,8 +5577,8 @@
         </p:nvSpPr>
         <p:spPr>
           <a:xfrm>
-            <a:off x="501752" y="785089"/>
-            <a:ext cx="2372992" cy="2372992"/>
+            <a:off x="458500" y="1095729"/>
+            <a:ext cx="1663932" cy="1652330"/>
           </a:xfrm>
           <a:prstGeom prst="ellipse">
             <a:avLst/>
@@ -5556,7 +5596,7 @@
             <a:lightRig rig="threePt" dir="t"/>
           </a:scene3d>
           <a:sp3d>
-            <a:bevelT/>
+            <a:bevelT w="190500" h="190500"/>
           </a:sp3d>
         </p:spPr>
         <p:style>
@@ -5581,7 +5621,7 @@
           <a:p>
             <a:pPr algn="ctr"/>
             <a:r>
-              <a:rPr lang="zh-CN" altLang="en-US" sz="5512" dirty="0">
+              <a:rPr lang="zh-CN" altLang="en-US" sz="3600" dirty="0">
                 <a:latin typeface="Adobe 黑体 Std R" panose="020B0400000000000000" pitchFamily="34" charset="-122"/>
                 <a:ea typeface="Adobe 黑体 Std R" panose="020B0400000000000000" pitchFamily="34" charset="-122"/>
               </a:rPr>
@@ -5592,14 +5632,49 @@
       </p:sp>
       <p:sp>
         <p:nvSpPr>
-          <p:cNvPr id="29" name="椭圆 28"/>
+          <p:cNvPr id="2" name="文本框 1"/>
+          <p:cNvSpPr txBox="1"/>
+          <p:nvPr/>
+        </p:nvSpPr>
+        <p:spPr>
+          <a:xfrm>
+            <a:off x="1880992" y="3470703"/>
+            <a:ext cx="2526020" cy="769441"/>
+          </a:xfrm>
+          <a:prstGeom prst="rect">
+            <a:avLst/>
+          </a:prstGeom>
+          <a:noFill/>
+        </p:spPr>
+        <p:txBody>
+          <a:bodyPr wrap="square" rtlCol="0">
+            <a:spAutoFit/>
+          </a:bodyPr>
+          <a:lstStyle/>
+          <a:p>
+            <a:r>
+              <a:rPr lang="zh-CN" altLang="en-US" sz="4400" dirty="0">
+                <a:solidFill>
+                  <a:schemeClr val="bg1"/>
+                </a:solidFill>
+                <a:latin typeface="微软雅黑" panose="020B0503020204020204" pitchFamily="34" charset="-122"/>
+                <a:ea typeface="微软雅黑" panose="020B0503020204020204" pitchFamily="34" charset="-122"/>
+              </a:rPr>
+              <a:t>自动控制</a:t>
+            </a:r>
+          </a:p>
+        </p:txBody>
+      </p:sp>
+      <p:sp>
+        <p:nvSpPr>
+          <p:cNvPr id="11" name="椭圆 10"/>
           <p:cNvSpPr/>
           <p:nvPr/>
         </p:nvSpPr>
         <p:spPr>
           <a:xfrm>
-            <a:off x="3549477" y="849148"/>
-            <a:ext cx="2372994" cy="2372994"/>
+            <a:off x="2356126" y="1095729"/>
+            <a:ext cx="1657662" cy="1652330"/>
           </a:xfrm>
           <a:prstGeom prst="ellipse">
             <a:avLst/>
@@ -5617,7 +5692,7 @@
             <a:lightRig rig="threePt" dir="t"/>
           </a:scene3d>
           <a:sp3d>
-            <a:bevelT/>
+            <a:bevelT w="190500" h="190500"/>
           </a:sp3d>
         </p:spPr>
         <p:style>
@@ -5642,7 +5717,68 @@
           <a:p>
             <a:pPr algn="ctr"/>
             <a:r>
-              <a:rPr lang="zh-CN" altLang="en-US" sz="5512" dirty="0">
+              <a:rPr lang="zh-CN" altLang="en-US" sz="3600" dirty="0">
+                <a:latin typeface="Adobe 黑体 Std R" panose="020B0400000000000000" pitchFamily="34" charset="-122"/>
+                <a:ea typeface="Adobe 黑体 Std R" panose="020B0400000000000000" pitchFamily="34" charset="-122"/>
+              </a:rPr>
+              <a:t>停</a:t>
+            </a:r>
+          </a:p>
+        </p:txBody>
+      </p:sp>
+      <p:sp>
+        <p:nvSpPr>
+          <p:cNvPr id="12" name="椭圆 11"/>
+          <p:cNvSpPr/>
+          <p:nvPr/>
+        </p:nvSpPr>
+        <p:spPr>
+          <a:xfrm>
+            <a:off x="4247483" y="1095729"/>
+            <a:ext cx="1657662" cy="1652330"/>
+          </a:xfrm>
+          <a:prstGeom prst="ellipse">
+            <a:avLst/>
+          </a:prstGeom>
+          <a:solidFill>
+            <a:schemeClr val="accent5"/>
+          </a:solidFill>
+          <a:ln>
+            <a:solidFill>
+              <a:schemeClr val="accent6"/>
+            </a:solidFill>
+          </a:ln>
+          <a:scene3d>
+            <a:camera prst="orthographicFront"/>
+            <a:lightRig rig="threePt" dir="t"/>
+          </a:scene3d>
+          <a:sp3d>
+            <a:bevelT w="190500" h="190500"/>
+          </a:sp3d>
+        </p:spPr>
+        <p:style>
+          <a:lnRef idx="2">
+            <a:schemeClr val="accent1">
+              <a:shade val="50000"/>
+            </a:schemeClr>
+          </a:lnRef>
+          <a:fillRef idx="1">
+            <a:schemeClr val="accent1"/>
+          </a:fillRef>
+          <a:effectRef idx="0">
+            <a:schemeClr val="accent1"/>
+          </a:effectRef>
+          <a:fontRef idx="minor">
+            <a:schemeClr val="lt1"/>
+          </a:fontRef>
+        </p:style>
+        <p:txBody>
+          <a:bodyPr rtlCol="0" anchor="ctr"/>
+          <a:lstStyle/>
+          <a:p>
+            <a:pPr algn="ctr"/>
+            <a:r>
+              <a:rPr lang="zh-CN" altLang="en-US" sz="3600" dirty="0">
                 <a:latin typeface="Adobe 黑体 Std R" panose="020B0400000000000000" pitchFamily="34" charset="-122"/>
                 <a:ea typeface="Adobe 黑体 Std R" panose="020B0400000000000000" pitchFamily="34" charset="-122"/>
               </a:rPr>
@@ -5651,45 +5787,10 @@
           </a:p>
         </p:txBody>
       </p:sp>
-      <p:sp>
-        <p:nvSpPr>
-          <p:cNvPr id="2" name="文本框 1"/>
-          <p:cNvSpPr txBox="1"/>
-          <p:nvPr/>
-        </p:nvSpPr>
-        <p:spPr>
-          <a:xfrm>
-            <a:off x="1880992" y="3470703"/>
-            <a:ext cx="2526020" cy="769441"/>
-          </a:xfrm>
-          <a:prstGeom prst="rect">
-            <a:avLst/>
-          </a:prstGeom>
-          <a:noFill/>
-        </p:spPr>
-        <p:txBody>
-          <a:bodyPr wrap="square" rtlCol="0">
-            <a:spAutoFit/>
-          </a:bodyPr>
-          <a:lstStyle/>
-          <a:p>
-            <a:r>
-              <a:rPr lang="zh-CN" altLang="en-US" sz="4400" dirty="0">
-                <a:solidFill>
-                  <a:schemeClr val="bg1"/>
-                </a:solidFill>
-                <a:latin typeface="微软雅黑" panose="020B0503020204020204" pitchFamily="34" charset="-122"/>
-                <a:ea typeface="微软雅黑" panose="020B0503020204020204" pitchFamily="34" charset="-122"/>
-              </a:rPr>
-              <a:t>自动控制</a:t>
-            </a:r>
-          </a:p>
-        </p:txBody>
-      </p:sp>
     </p:spTree>
     <p:extLst>
       <p:ext uri="{BB962C8B-B14F-4D97-AF65-F5344CB8AC3E}">
-        <p14:creationId xmlns:p14="http://schemas.microsoft.com/office/powerpoint/2010/main" val="265305379"/>
+        <p14:creationId xmlns:p14="http://schemas.microsoft.com/office/powerpoint/2010/main" val="2184328652"/>
       </p:ext>
     </p:extLst>
   </p:cSld>
@@ -5988,8 +6089,8 @@
         </p:nvSpPr>
         <p:spPr>
           <a:xfrm>
-            <a:off x="501752" y="785089"/>
-            <a:ext cx="2372992" cy="2372992"/>
+            <a:off x="458500" y="1095729"/>
+            <a:ext cx="1663932" cy="1652330"/>
           </a:xfrm>
           <a:prstGeom prst="ellipse">
             <a:avLst/>
@@ -6007,7 +6108,7 @@
             <a:lightRig rig="threePt" dir="t"/>
           </a:scene3d>
           <a:sp3d>
-            <a:bevelT prst="relaxedInset"/>
+            <a:bevelT w="190500" h="190500" prst="relaxedInset"/>
           </a:sp3d>
         </p:spPr>
         <p:style>
@@ -6032,7 +6133,7 @@
           <a:p>
             <a:pPr algn="ctr"/>
             <a:r>
-              <a:rPr lang="zh-CN" altLang="en-US" sz="5512" dirty="0">
+              <a:rPr lang="zh-CN" altLang="en-US" sz="3600" dirty="0">
                 <a:latin typeface="Adobe 黑体 Std R" panose="020B0400000000000000" pitchFamily="34" charset="-122"/>
                 <a:ea typeface="Adobe 黑体 Std R" panose="020B0400000000000000" pitchFamily="34" charset="-122"/>
               </a:rPr>
@@ -6043,14 +6144,49 @@
       </p:sp>
       <p:sp>
         <p:nvSpPr>
-          <p:cNvPr id="29" name="椭圆 28"/>
+          <p:cNvPr id="2" name="文本框 1"/>
+          <p:cNvSpPr txBox="1"/>
+          <p:nvPr/>
+        </p:nvSpPr>
+        <p:spPr>
+          <a:xfrm>
+            <a:off x="1880992" y="3470703"/>
+            <a:ext cx="2526020" cy="769441"/>
+          </a:xfrm>
+          <a:prstGeom prst="rect">
+            <a:avLst/>
+          </a:prstGeom>
+          <a:noFill/>
+        </p:spPr>
+        <p:txBody>
+          <a:bodyPr wrap="square" rtlCol="0">
+            <a:spAutoFit/>
+          </a:bodyPr>
+          <a:lstStyle/>
+          <a:p>
+            <a:r>
+              <a:rPr lang="zh-CN" altLang="en-US" sz="4400" dirty="0">
+                <a:solidFill>
+                  <a:schemeClr val="bg1"/>
+                </a:solidFill>
+                <a:latin typeface="微软雅黑" panose="020B0503020204020204" pitchFamily="34" charset="-122"/>
+                <a:ea typeface="微软雅黑" panose="020B0503020204020204" pitchFamily="34" charset="-122"/>
+              </a:rPr>
+              <a:t>自动控制</a:t>
+            </a:r>
+          </a:p>
+        </p:txBody>
+      </p:sp>
+      <p:sp>
+        <p:nvSpPr>
+          <p:cNvPr id="11" name="椭圆 10"/>
           <p:cNvSpPr/>
           <p:nvPr/>
         </p:nvSpPr>
         <p:spPr>
           <a:xfrm>
-            <a:off x="3549477" y="849148"/>
-            <a:ext cx="2372994" cy="2372994"/>
+            <a:off x="2356126" y="1095729"/>
+            <a:ext cx="1657662" cy="1652330"/>
           </a:xfrm>
           <a:prstGeom prst="ellipse">
             <a:avLst/>
@@ -6068,7 +6204,7 @@
             <a:lightRig rig="threePt" dir="t"/>
           </a:scene3d>
           <a:sp3d>
-            <a:bevelT prst="relaxedInset"/>
+            <a:bevelT w="190500" h="190500" prst="relaxedInset"/>
           </a:sp3d>
         </p:spPr>
         <p:style>
@@ -6093,7 +6229,68 @@
           <a:p>
             <a:pPr algn="ctr"/>
             <a:r>
-              <a:rPr lang="zh-CN" altLang="en-US" sz="5512" dirty="0">
+              <a:rPr lang="zh-CN" altLang="en-US" sz="3600" dirty="0">
+                <a:latin typeface="Adobe 黑体 Std R" panose="020B0400000000000000" pitchFamily="34" charset="-122"/>
+                <a:ea typeface="Adobe 黑体 Std R" panose="020B0400000000000000" pitchFamily="34" charset="-122"/>
+              </a:rPr>
+              <a:t>停</a:t>
+            </a:r>
+          </a:p>
+        </p:txBody>
+      </p:sp>
+      <p:sp>
+        <p:nvSpPr>
+          <p:cNvPr id="12" name="椭圆 11"/>
+          <p:cNvSpPr/>
+          <p:nvPr/>
+        </p:nvSpPr>
+        <p:spPr>
+          <a:xfrm>
+            <a:off x="4247483" y="1095729"/>
+            <a:ext cx="1657662" cy="1652330"/>
+          </a:xfrm>
+          <a:prstGeom prst="ellipse">
+            <a:avLst/>
+          </a:prstGeom>
+          <a:solidFill>
+            <a:schemeClr val="accent5"/>
+          </a:solidFill>
+          <a:ln>
+            <a:solidFill>
+              <a:schemeClr val="accent6"/>
+            </a:solidFill>
+          </a:ln>
+          <a:scene3d>
+            <a:camera prst="orthographicFront"/>
+            <a:lightRig rig="threePt" dir="t"/>
+          </a:scene3d>
+          <a:sp3d>
+            <a:bevelT w="190500" h="190500" prst="relaxedInset"/>
+          </a:sp3d>
+        </p:spPr>
+        <p:style>
+          <a:lnRef idx="2">
+            <a:schemeClr val="accent1">
+              <a:shade val="50000"/>
+            </a:schemeClr>
+          </a:lnRef>
+          <a:fillRef idx="1">
+            <a:schemeClr val="accent1"/>
+          </a:fillRef>
+          <a:effectRef idx="0">
+            <a:schemeClr val="accent1"/>
+          </a:effectRef>
+          <a:fontRef idx="minor">
+            <a:schemeClr val="lt1"/>
+          </a:fontRef>
+        </p:style>
+        <p:txBody>
+          <a:bodyPr rtlCol="0" anchor="ctr"/>
+          <a:lstStyle/>
+          <a:p>
+            <a:pPr algn="ctr"/>
+            <a:r>
+              <a:rPr lang="zh-CN" altLang="en-US" sz="3600" dirty="0">
                 <a:latin typeface="Adobe 黑体 Std R" panose="020B0400000000000000" pitchFamily="34" charset="-122"/>
                 <a:ea typeface="Adobe 黑体 Std R" panose="020B0400000000000000" pitchFamily="34" charset="-122"/>
               </a:rPr>
@@ -6102,45 +6299,10 @@
           </a:p>
         </p:txBody>
       </p:sp>
-      <p:sp>
-        <p:nvSpPr>
-          <p:cNvPr id="2" name="文本框 1"/>
-          <p:cNvSpPr txBox="1"/>
-          <p:nvPr/>
-        </p:nvSpPr>
-        <p:spPr>
-          <a:xfrm>
-            <a:off x="1880992" y="3470703"/>
-            <a:ext cx="2526020" cy="769441"/>
-          </a:xfrm>
-          <a:prstGeom prst="rect">
-            <a:avLst/>
-          </a:prstGeom>
-          <a:noFill/>
-        </p:spPr>
-        <p:txBody>
-          <a:bodyPr wrap="square" rtlCol="0">
-            <a:spAutoFit/>
-          </a:bodyPr>
-          <a:lstStyle/>
-          <a:p>
-            <a:r>
-              <a:rPr lang="zh-CN" altLang="en-US" sz="4400" dirty="0">
-                <a:solidFill>
-                  <a:schemeClr val="bg1"/>
-                </a:solidFill>
-                <a:latin typeface="微软雅黑" panose="020B0503020204020204" pitchFamily="34" charset="-122"/>
-                <a:ea typeface="微软雅黑" panose="020B0503020204020204" pitchFamily="34" charset="-122"/>
-              </a:rPr>
-              <a:t>自动控制</a:t>
-            </a:r>
-          </a:p>
-        </p:txBody>
-      </p:sp>
     </p:spTree>
     <p:extLst>
       <p:ext uri="{BB962C8B-B14F-4D97-AF65-F5344CB8AC3E}">
-        <p14:creationId xmlns:p14="http://schemas.microsoft.com/office/powerpoint/2010/main" val="3316509049"/>
+        <p14:creationId xmlns:p14="http://schemas.microsoft.com/office/powerpoint/2010/main" val="1691186151"/>
       </p:ext>
     </p:extLst>
   </p:cSld>
@@ -6483,7 +6645,7 @@
             <a:lightRig rig="threePt" dir="t"/>
           </a:scene3d>
           <a:sp3d>
-            <a:bevelT/>
+            <a:bevelT w="127000" h="127000"/>
           </a:sp3d>
         </p:spPr>
         <p:style>
@@ -6547,7 +6709,7 @@
             <a:lightRig rig="threePt" dir="t"/>
           </a:scene3d>
           <a:sp3d>
-            <a:bevelT/>
+            <a:bevelT w="127000" h="127000"/>
           </a:sp3d>
         </p:spPr>
         <p:style>
@@ -6930,7 +7092,7 @@
             <a:lightRig rig="threePt" dir="t"/>
           </a:scene3d>
           <a:sp3d>
-            <a:bevelT prst="relaxedInset"/>
+            <a:bevelT w="127000" h="127000" prst="relaxedInset"/>
           </a:sp3d>
         </p:spPr>
         <p:style>
@@ -6994,7 +7156,7 @@
             <a:lightRig rig="threePt" dir="t"/>
           </a:scene3d>
           <a:sp3d>
-            <a:bevelT prst="relaxedInset"/>
+            <a:bevelT w="127000" h="127000" prst="relaxedInset"/>
           </a:sp3d>
         </p:spPr>
         <p:style>
@@ -7172,7 +7334,7 @@
         <p:spPr>
           <a:xfrm>
             <a:off x="280590" y="942853"/>
-            <a:ext cx="2752802" cy="4437177"/>
+            <a:ext cx="2752802" cy="4524315"/>
           </a:xfrm>
           <a:prstGeom prst="rect">
             <a:avLst/>
@@ -7198,18 +7360,15 @@
                 <a:latin typeface="Adobe 黑体 Std R" panose="020B0400000000000000" pitchFamily="34" charset="-122"/>
                 <a:ea typeface="Adobe 黑体 Std R" panose="020B0400000000000000" pitchFamily="34" charset="-122"/>
               </a:rPr>
-              <a:t>计算参数</a:t>
-            </a:r>
-            <a:r>
-              <a:rPr lang="en-US" altLang="zh-CN" sz="3200" dirty="0">
-                <a:solidFill>
-                  <a:schemeClr val="bg1"/>
-                </a:solidFill>
-                <a:latin typeface="Adobe 黑体 Std R" panose="020B0400000000000000" pitchFamily="34" charset="-122"/>
-                <a:ea typeface="Adobe 黑体 Std R" panose="020B0400000000000000" pitchFamily="34" charset="-122"/>
-              </a:rPr>
-              <a:t>1</a:t>
-            </a:r>
+              <a:t>污染物阈值</a:t>
+            </a:r>
+            <a:endParaRPr lang="en-US" altLang="zh-CN" sz="3200" dirty="0">
+              <a:solidFill>
+                <a:schemeClr val="bg1"/>
+              </a:solidFill>
+              <a:latin typeface="Adobe 黑体 Std R" panose="020B0400000000000000" pitchFamily="34" charset="-122"/>
+              <a:ea typeface="Adobe 黑体 Std R" panose="020B0400000000000000" pitchFamily="34" charset="-122"/>
+            </a:endParaRPr>
           </a:p>
           <a:p>
             <a:pPr algn="ctr">
@@ -7225,18 +7384,15 @@
                 <a:latin typeface="Adobe 黑体 Std R" panose="020B0400000000000000" pitchFamily="34" charset="-122"/>
                 <a:ea typeface="Adobe 黑体 Std R" panose="020B0400000000000000" pitchFamily="34" charset="-122"/>
               </a:rPr>
-              <a:t>计算参数</a:t>
-            </a:r>
-            <a:r>
-              <a:rPr lang="en-US" altLang="zh-CN" sz="3200" dirty="0">
-                <a:solidFill>
-                  <a:schemeClr val="bg1"/>
-                </a:solidFill>
-                <a:latin typeface="Adobe 黑体 Std R" panose="020B0400000000000000" pitchFamily="34" charset="-122"/>
-                <a:ea typeface="Adobe 黑体 Std R" panose="020B0400000000000000" pitchFamily="34" charset="-122"/>
-              </a:rPr>
-              <a:t>2</a:t>
-            </a:r>
+              <a:t>最低温度</a:t>
+            </a:r>
+            <a:endParaRPr lang="en-US" altLang="zh-CN" sz="3200" dirty="0">
+              <a:solidFill>
+                <a:schemeClr val="bg1"/>
+              </a:solidFill>
+              <a:latin typeface="Adobe 黑体 Std R" panose="020B0400000000000000" pitchFamily="34" charset="-122"/>
+              <a:ea typeface="Adobe 黑体 Std R" panose="020B0400000000000000" pitchFamily="34" charset="-122"/>
+            </a:endParaRPr>
           </a:p>
           <a:p>
             <a:pPr algn="ctr">
@@ -7252,18 +7408,15 @@
                 <a:latin typeface="Adobe 黑体 Std R" panose="020B0400000000000000" pitchFamily="34" charset="-122"/>
                 <a:ea typeface="Adobe 黑体 Std R" panose="020B0400000000000000" pitchFamily="34" charset="-122"/>
               </a:rPr>
-              <a:t>计算参数</a:t>
-            </a:r>
-            <a:r>
-              <a:rPr lang="en-US" altLang="zh-CN" sz="3200" dirty="0">
-                <a:solidFill>
-                  <a:schemeClr val="bg1"/>
-                </a:solidFill>
-                <a:latin typeface="Adobe 黑体 Std R" panose="020B0400000000000000" pitchFamily="34" charset="-122"/>
-                <a:ea typeface="Adobe 黑体 Std R" panose="020B0400000000000000" pitchFamily="34" charset="-122"/>
-              </a:rPr>
-              <a:t>3</a:t>
-            </a:r>
+              <a:t>最高温度</a:t>
+            </a:r>
+            <a:endParaRPr lang="en-US" altLang="zh-CN" sz="3200" dirty="0">
+              <a:solidFill>
+                <a:schemeClr val="bg1"/>
+              </a:solidFill>
+              <a:latin typeface="Adobe 黑体 Std R" panose="020B0400000000000000" pitchFamily="34" charset="-122"/>
+              <a:ea typeface="Adobe 黑体 Std R" panose="020B0400000000000000" pitchFamily="34" charset="-122"/>
+            </a:endParaRPr>
           </a:p>
           <a:p>
             <a:pPr algn="ctr">
@@ -7522,7 +7675,7 @@
         <p:spPr>
           <a:xfrm>
             <a:off x="533368" y="1559801"/>
-            <a:ext cx="7711197" cy="2221314"/>
+            <a:ext cx="7711197" cy="2308324"/>
           </a:xfrm>
           <a:prstGeom prst="rect">
             <a:avLst/>
@@ -7615,6 +7768,62 @@
               <a:t>cjlycgcgkrxd</a:t>
             </a:r>
             <a:endParaRPr lang="en-US" altLang="zh-CN" sz="3200" dirty="0">
+              <a:solidFill>
+                <a:schemeClr val="bg1"/>
+              </a:solidFill>
+              <a:latin typeface="微软雅黑" panose="020B0503020204020204" pitchFamily="34" charset="-122"/>
+              <a:ea typeface="微软雅黑" panose="020B0503020204020204" pitchFamily="34" charset="-122"/>
+            </a:endParaRPr>
+          </a:p>
+        </p:txBody>
+      </p:sp>
+      <p:sp>
+        <p:nvSpPr>
+          <p:cNvPr id="5" name="矩形 4"/>
+          <p:cNvSpPr/>
+          <p:nvPr/>
+        </p:nvSpPr>
+        <p:spPr>
+          <a:xfrm>
+            <a:off x="533368" y="3903508"/>
+            <a:ext cx="5446327" cy="1477328"/>
+          </a:xfrm>
+          <a:prstGeom prst="rect">
+            <a:avLst/>
+          </a:prstGeom>
+        </p:spPr>
+        <p:txBody>
+          <a:bodyPr wrap="square">
+            <a:spAutoFit/>
+          </a:bodyPr>
+          <a:lstStyle/>
+          <a:p>
+            <a:pPr>
+              <a:lnSpc>
+                <a:spcPct val="150000"/>
+              </a:lnSpc>
+            </a:pPr>
+            <a:r>
+              <a:rPr lang="zh-CN" altLang="en-US" sz="2000" dirty="0">
+                <a:solidFill>
+                  <a:srgbClr val="FF0000"/>
+                </a:solidFill>
+                <a:latin typeface="微软雅黑" panose="020B0503020204020204" pitchFamily="34" charset="-122"/>
+                <a:ea typeface="微软雅黑" panose="020B0503020204020204" pitchFamily="34" charset="-122"/>
+              </a:rPr>
+              <a:t>说明</a:t>
+            </a:r>
+            <a:r>
+              <a:rPr lang="zh-CN" altLang="en-US" sz="2000" dirty="0">
+                <a:solidFill>
+                  <a:schemeClr val="bg1"/>
+                </a:solidFill>
+                <a:latin typeface="微软雅黑" panose="020B0503020204020204" pitchFamily="34" charset="-122"/>
+                <a:ea typeface="微软雅黑" panose="020B0503020204020204" pitchFamily="34" charset="-122"/>
+              </a:rPr>
+              <a:t>：实时状态中，饱和蒸汽压指室内干球温度下水的饱和蒸气压，水蒸气分压指室外实时水蒸气分压</a:t>
+            </a:r>
+            <a:endParaRPr lang="en-US" altLang="zh-CN" sz="2000" dirty="0">
               <a:solidFill>
                 <a:schemeClr val="bg1"/>
               </a:solidFill>
